--- a/CapstoneProject_Cardiovascular RP (1).pptx
+++ b/CapstoneProject_Cardiovascular RP (1).pptx
@@ -5,70 +5,69 @@
     <p:sldMasterId id="2147483648" r:id="rId1"/>
   </p:sldMasterIdLst>
   <p:notesMasterIdLst>
-    <p:notesMasterId r:id="rId32"/>
+    <p:notesMasterId r:id="rId4"/>
   </p:notesMasterIdLst>
   <p:sldIdLst>
-    <p:sldId id="256" r:id="rId2"/>
-    <p:sldId id="272" r:id="rId3"/>
-    <p:sldId id="303" r:id="rId4"/>
-    <p:sldId id="304" r:id="rId5"/>
-    <p:sldId id="257" r:id="rId6"/>
-    <p:sldId id="258" r:id="rId7"/>
-    <p:sldId id="259" r:id="rId8"/>
-    <p:sldId id="260" r:id="rId9"/>
-    <p:sldId id="261" r:id="rId10"/>
-    <p:sldId id="262" r:id="rId11"/>
-    <p:sldId id="263" r:id="rId12"/>
-    <p:sldId id="264" r:id="rId13"/>
-    <p:sldId id="265" r:id="rId14"/>
-    <p:sldId id="266" r:id="rId15"/>
-    <p:sldId id="267" r:id="rId16"/>
-    <p:sldId id="268" r:id="rId17"/>
-    <p:sldId id="269" r:id="rId18"/>
-    <p:sldId id="270" r:id="rId19"/>
-    <p:sldId id="271" r:id="rId20"/>
-    <p:sldId id="273" r:id="rId21"/>
-    <p:sldId id="274" r:id="rId22"/>
-    <p:sldId id="275" r:id="rId23"/>
-    <p:sldId id="276" r:id="rId24"/>
-    <p:sldId id="277" r:id="rId25"/>
-    <p:sldId id="338" r:id="rId26"/>
-    <p:sldId id="340" r:id="rId27"/>
-    <p:sldId id="341" r:id="rId28"/>
-    <p:sldId id="342" r:id="rId29"/>
-    <p:sldId id="343" r:id="rId30"/>
-    <p:sldId id="337" r:id="rId31"/>
+    <p:sldId id="256" r:id="rId3"/>
+    <p:sldId id="272" r:id="rId5"/>
+    <p:sldId id="303" r:id="rId6"/>
+    <p:sldId id="304" r:id="rId7"/>
+    <p:sldId id="257" r:id="rId8"/>
+    <p:sldId id="258" r:id="rId9"/>
+    <p:sldId id="259" r:id="rId10"/>
+    <p:sldId id="260" r:id="rId11"/>
+    <p:sldId id="261" r:id="rId12"/>
+    <p:sldId id="262" r:id="rId13"/>
+    <p:sldId id="263" r:id="rId14"/>
+    <p:sldId id="264" r:id="rId15"/>
+    <p:sldId id="265" r:id="rId16"/>
+    <p:sldId id="266" r:id="rId17"/>
+    <p:sldId id="267" r:id="rId18"/>
+    <p:sldId id="268" r:id="rId19"/>
+    <p:sldId id="269" r:id="rId20"/>
+    <p:sldId id="270" r:id="rId21"/>
+    <p:sldId id="271" r:id="rId22"/>
+    <p:sldId id="273" r:id="rId23"/>
+    <p:sldId id="274" r:id="rId24"/>
+    <p:sldId id="275" r:id="rId25"/>
+    <p:sldId id="276" r:id="rId26"/>
+    <p:sldId id="277" r:id="rId27"/>
+    <p:sldId id="338" r:id="rId28"/>
+    <p:sldId id="340" r:id="rId29"/>
+    <p:sldId id="341" r:id="rId30"/>
+    <p:sldId id="347" r:id="rId31"/>
+    <p:sldId id="342" r:id="rId32"/>
+    <p:sldId id="343" r:id="rId33"/>
+    <p:sldId id="337" r:id="rId34"/>
   </p:sldIdLst>
   <p:sldSz cx="9144000" cy="5143500" type="screen16x9"/>
   <p:notesSz cx="6858000" cy="9144000"/>
   <p:embeddedFontLst>
     <p:embeddedFont>
-      <p:font typeface="Bahnschrift Condensed" panose="020B0502040204020203" pitchFamily="34" charset="0"/>
-      <p:regular r:id="rId33"/>
-      <p:bold r:id="rId34"/>
+      <p:font typeface="Montserrat" panose="00000500000000000000"/>
+      <p:regular r:id="rId38"/>
+      <p:bold r:id="rId39"/>
+      <p:boldItalic r:id="rId40"/>
+    </p:embeddedFont>
+    <p:embeddedFont>
+      <p:font typeface="Copperplate Gothic Bold" panose="020E0705020206020404" pitchFamily="34" charset="0"/>
+      <p:regular r:id="rId41"/>
+    </p:embeddedFont>
+    <p:embeddedFont>
+      <p:font typeface="Bahnschrift SemiBold" panose="020B0502040204020203" pitchFamily="34" charset="0"/>
+      <p:bold r:id="rId42"/>
+    </p:embeddedFont>
+    <p:embeddedFont>
+      <p:font typeface="Mongolian Baiti" panose="03000500000000000000" pitchFamily="66" charset="0"/>
+      <p:regular r:id="rId43"/>
     </p:embeddedFont>
     <p:embeddedFont>
       <p:font typeface="Bahnschrift Light" panose="020B0502040204020203" pitchFamily="34" charset="0"/>
-      <p:regular r:id="rId35"/>
+      <p:regular r:id="rId44"/>
     </p:embeddedFont>
     <p:embeddedFont>
-      <p:font typeface="Bahnschrift SemiBold" panose="020B0502040204020203" pitchFamily="34" charset="0"/>
-      <p:bold r:id="rId36"/>
-    </p:embeddedFont>
-    <p:embeddedFont>
-      <p:font typeface="Copperplate Gothic Bold" panose="020E0705020206020404" pitchFamily="34" charset="0"/>
-      <p:regular r:id="rId37"/>
-    </p:embeddedFont>
-    <p:embeddedFont>
-      <p:font typeface="Mongolian Baiti" panose="03000500000000000000" pitchFamily="66" charset="0"/>
-      <p:regular r:id="rId38"/>
-    </p:embeddedFont>
-    <p:embeddedFont>
-      <p:font typeface="Montserrat" panose="020B0604020202020204" charset="0"/>
-      <p:regular r:id="rId39"/>
-      <p:bold r:id="rId40"/>
-      <p:italic r:id="rId41"/>
-      <p:boldItalic r:id="rId42"/>
+      <p:font typeface="Bahnschrift Condensed" panose="020B0502040204020203" pitchFamily="34" charset="0"/>
+      <p:regular r:id="rId45"/>
     </p:embeddedFont>
   </p:embeddedFontLst>
   <p:defaultTextStyle>
@@ -300,22 +299,6 @@
       </a:defRPr>
     </a:lvl9pPr>
   </p:defaultTextStyle>
-  <p:extLst>
-    <p:ext uri="{EFAFB233-063F-42B5-8137-9DF3F51BA10A}">
-      <p15:sldGuideLst xmlns:p15="http://schemas.microsoft.com/office/powerpoint/2012/main">
-        <p15:guide id="1" orient="horz" pos="1620">
-          <p15:clr>
-            <a:srgbClr val="A4A3A4"/>
-          </p15:clr>
-        </p15:guide>
-        <p15:guide id="2" pos="2880">
-          <p15:clr>
-            <a:srgbClr val="A4A3A4"/>
-          </p15:clr>
-        </p15:guide>
-      </p15:sldGuideLst>
-    </p:ext>
-  </p:extLst>
 </p:presentation>
 </file>
 
@@ -655,9 +638,7 @@
               </a:defRPr>
             </a:lvl9pPr>
           </a:lstStyle>
-          <a:p>
-            <a:endParaRPr/>
-          </a:p>
+          <a:p/>
         </p:txBody>
       </p:sp>
     </p:spTree>
@@ -896,7 +877,7 @@
 </file>
 
 <file path=ppt/notesSlides/notesSlide1.xml><?xml version="1.0" encoding="utf-8"?>
-<p:notes xmlns:a="http://schemas.openxmlformats.org/drawingml/2006/main" xmlns:r="http://schemas.openxmlformats.org/officeDocument/2006/relationships" xmlns:p="http://schemas.openxmlformats.org/presentationml/2006/main" showMasterSp="0" showMasterPhAnim="0">
+<p:notes xmlns:a="http://schemas.openxmlformats.org/drawingml/2006/main" xmlns:r="http://schemas.openxmlformats.org/officeDocument/2006/relationships" xmlns:p="http://schemas.openxmlformats.org/presentationml/2006/main" showMasterPhAnim="0" showMasterSp="0">
   <p:cSld>
     <p:spTree>
       <p:nvGrpSpPr>
@@ -1005,7 +986,6 @@
               <a:buSzPts val="1100"/>
               <a:buNone/>
             </a:pPr>
-            <a:endParaRPr/>
           </a:p>
         </p:txBody>
       </p:sp>
@@ -1018,7 +998,7 @@
 </file>
 
 <file path=ppt/slideLayouts/slideLayout1.xml><?xml version="1.0" encoding="utf-8"?>
-<p:sldLayout xmlns:a="http://schemas.openxmlformats.org/drawingml/2006/main" xmlns:r="http://schemas.openxmlformats.org/officeDocument/2006/relationships" xmlns:p="http://schemas.openxmlformats.org/presentationml/2006/main" matchingName="Title slide" type="title">
+<p:sldLayout xmlns:a="http://schemas.openxmlformats.org/drawingml/2006/main" xmlns:r="http://schemas.openxmlformats.org/officeDocument/2006/relationships" xmlns:p="http://schemas.openxmlformats.org/presentationml/2006/main" type="title" matchingName="Title slide">
   <p:cSld name="TITLE">
     <p:spTree>
       <p:nvGrpSpPr>
@@ -1189,9 +1169,7 @@
               <a:defRPr sz="5200"/>
             </a:lvl9pPr>
           </a:lstStyle>
-          <a:p>
-            <a:endParaRPr/>
-          </a:p>
+          <a:p/>
         </p:txBody>
       </p:sp>
       <p:sp>
@@ -1349,9 +1327,7 @@
               <a:defRPr sz="2800"/>
             </a:lvl9pPr>
           </a:lstStyle>
-          <a:p>
-            <a:endParaRPr/>
-          </a:p>
+          <a:p/>
         </p:txBody>
       </p:sp>
       <p:sp>
@@ -1629,7 +1605,6 @@
             </a:pPr>
             <a:fld id="{00000000-1234-1234-1234-123412341234}" type="slidenum">
               <a:rPr lang="en-GB"/>
-              <a:t>‹#›</a:t>
             </a:fld>
             <a:endParaRPr lang="en-GB"/>
           </a:p>
@@ -1644,7 +1619,7 @@
 </file>
 
 <file path=ppt/slideLayouts/slideLayout10.xml><?xml version="1.0" encoding="utf-8"?>
-<p:sldLayout xmlns:a="http://schemas.openxmlformats.org/drawingml/2006/main" xmlns:r="http://schemas.openxmlformats.org/officeDocument/2006/relationships" xmlns:p="http://schemas.openxmlformats.org/presentationml/2006/main" matchingName="Title and body" type="tx">
+<p:sldLayout xmlns:a="http://schemas.openxmlformats.org/drawingml/2006/main" xmlns:r="http://schemas.openxmlformats.org/officeDocument/2006/relationships" xmlns:p="http://schemas.openxmlformats.org/presentationml/2006/main" type="tx" matchingName="Title and body">
   <p:cSld name="Title and body">
     <p:spTree>
       <p:nvGrpSpPr>
@@ -1815,9 +1790,7 @@
               <a:defRPr/>
             </a:lvl9pPr>
           </a:lstStyle>
-          <a:p>
-            <a:endParaRPr/>
-          </a:p>
+          <a:p/>
         </p:txBody>
       </p:sp>
       <p:sp>
@@ -1975,9 +1948,7 @@
               <a:defRPr/>
             </a:lvl9pPr>
           </a:lstStyle>
-          <a:p>
-            <a:endParaRPr/>
-          </a:p>
+          <a:p/>
         </p:txBody>
       </p:sp>
       <p:sp>
@@ -2255,7 +2226,6 @@
             </a:pPr>
             <a:fld id="{00000000-1234-1234-1234-123412341234}" type="slidenum">
               <a:rPr lang="en-GB"/>
-              <a:t>‹#›</a:t>
             </a:fld>
             <a:endParaRPr lang="en-GB"/>
           </a:p>
@@ -2270,7 +2240,7 @@
 </file>
 
 <file path=ppt/slideLayouts/slideLayout2.xml><?xml version="1.0" encoding="utf-8"?>
-<p:sldLayout xmlns:a="http://schemas.openxmlformats.org/drawingml/2006/main" xmlns:r="http://schemas.openxmlformats.org/officeDocument/2006/relationships" xmlns:p="http://schemas.openxmlformats.org/presentationml/2006/main" matchingName="Section header" type="secHead">
+<p:sldLayout xmlns:a="http://schemas.openxmlformats.org/drawingml/2006/main" xmlns:r="http://schemas.openxmlformats.org/officeDocument/2006/relationships" xmlns:p="http://schemas.openxmlformats.org/presentationml/2006/main" type="secHead" matchingName="Section header">
   <p:cSld name="SECTION_HEADER">
     <p:spTree>
       <p:nvGrpSpPr>
@@ -2441,9 +2411,7 @@
               <a:defRPr sz="3600"/>
             </a:lvl9pPr>
           </a:lstStyle>
-          <a:p>
-            <a:endParaRPr/>
-          </a:p>
+          <a:p/>
         </p:txBody>
       </p:sp>
       <p:sp>
@@ -2721,7 +2689,6 @@
             </a:pPr>
             <a:fld id="{00000000-1234-1234-1234-123412341234}" type="slidenum">
               <a:rPr lang="en-GB"/>
-              <a:t>‹#›</a:t>
             </a:fld>
             <a:endParaRPr lang="en-GB"/>
           </a:p>
@@ -2736,7 +2703,7 @@
 </file>
 
 <file path=ppt/slideLayouts/slideLayout3.xml><?xml version="1.0" encoding="utf-8"?>
-<p:sldLayout xmlns:a="http://schemas.openxmlformats.org/drawingml/2006/main" xmlns:r="http://schemas.openxmlformats.org/officeDocument/2006/relationships" xmlns:p="http://schemas.openxmlformats.org/presentationml/2006/main" matchingName="Title and two columns" type="twoColTx">
+<p:sldLayout xmlns:a="http://schemas.openxmlformats.org/drawingml/2006/main" xmlns:r="http://schemas.openxmlformats.org/officeDocument/2006/relationships" xmlns:p="http://schemas.openxmlformats.org/presentationml/2006/main" type="twoColTx" matchingName="Title and two columns">
   <p:cSld name="TITLE_AND_TWO_COLUMNS">
     <p:spTree>
       <p:nvGrpSpPr>
@@ -2907,9 +2874,7 @@
               <a:defRPr/>
             </a:lvl9pPr>
           </a:lstStyle>
-          <a:p>
-            <a:endParaRPr/>
-          </a:p>
+          <a:p/>
         </p:txBody>
       </p:sp>
       <p:sp>
@@ -3067,9 +3032,7 @@
               <a:defRPr sz="1200"/>
             </a:lvl9pPr>
           </a:lstStyle>
-          <a:p>
-            <a:endParaRPr/>
-          </a:p>
+          <a:p/>
         </p:txBody>
       </p:sp>
       <p:sp>
@@ -3227,9 +3190,7 @@
               <a:defRPr sz="1200"/>
             </a:lvl9pPr>
           </a:lstStyle>
-          <a:p>
-            <a:endParaRPr/>
-          </a:p>
+          <a:p/>
         </p:txBody>
       </p:sp>
       <p:sp>
@@ -3507,7 +3468,6 @@
             </a:pPr>
             <a:fld id="{00000000-1234-1234-1234-123412341234}" type="slidenum">
               <a:rPr lang="en-GB"/>
-              <a:t>‹#›</a:t>
             </a:fld>
             <a:endParaRPr lang="en-GB"/>
           </a:p>
@@ -3693,9 +3653,7 @@
               <a:defRPr sz="2400"/>
             </a:lvl9pPr>
           </a:lstStyle>
-          <a:p>
-            <a:endParaRPr/>
-          </a:p>
+          <a:p/>
         </p:txBody>
       </p:sp>
       <p:sp>
@@ -3853,9 +3811,7 @@
               <a:defRPr sz="1200"/>
             </a:lvl9pPr>
           </a:lstStyle>
-          <a:p>
-            <a:endParaRPr/>
-          </a:p>
+          <a:p/>
         </p:txBody>
       </p:sp>
       <p:sp>
@@ -4133,7 +4089,6 @@
             </a:pPr>
             <a:fld id="{00000000-1234-1234-1234-123412341234}" type="slidenum">
               <a:rPr lang="en-GB"/>
-              <a:t>‹#›</a:t>
             </a:fld>
             <a:endParaRPr lang="en-GB"/>
           </a:p>
@@ -4319,9 +4274,7 @@
               <a:defRPr sz="4800"/>
             </a:lvl9pPr>
           </a:lstStyle>
-          <a:p>
-            <a:endParaRPr/>
-          </a:p>
+          <a:p/>
         </p:txBody>
       </p:sp>
       <p:sp>
@@ -4599,7 +4552,6 @@
             </a:pPr>
             <a:fld id="{00000000-1234-1234-1234-123412341234}" type="slidenum">
               <a:rPr lang="en-GB"/>
-              <a:t>‹#›</a:t>
             </a:fld>
             <a:endParaRPr lang="en-GB"/>
           </a:p>
@@ -4841,9 +4793,7 @@
               <a:defRPr sz="4200"/>
             </a:lvl9pPr>
           </a:lstStyle>
-          <a:p>
-            <a:endParaRPr/>
-          </a:p>
+          <a:p/>
         </p:txBody>
       </p:sp>
       <p:sp>
@@ -5001,9 +4951,7 @@
               <a:defRPr sz="2100"/>
             </a:lvl9pPr>
           </a:lstStyle>
-          <a:p>
-            <a:endParaRPr/>
-          </a:p>
+          <a:p/>
         </p:txBody>
       </p:sp>
       <p:sp>
@@ -5161,9 +5109,7 @@
               <a:defRPr/>
             </a:lvl9pPr>
           </a:lstStyle>
-          <a:p>
-            <a:endParaRPr/>
-          </a:p>
+          <a:p/>
         </p:txBody>
       </p:sp>
       <p:sp>
@@ -5441,7 +5387,6 @@
             </a:pPr>
             <a:fld id="{00000000-1234-1234-1234-123412341234}" type="slidenum">
               <a:rPr lang="en-GB"/>
-              <a:t>‹#›</a:t>
             </a:fld>
             <a:endParaRPr lang="en-GB"/>
           </a:p>
@@ -5515,9 +5460,7 @@
               <a:defRPr/>
             </a:lvl1pPr>
           </a:lstStyle>
-          <a:p>
-            <a:endParaRPr/>
-          </a:p>
+          <a:p/>
         </p:txBody>
       </p:sp>
       <p:sp>
@@ -5795,7 +5738,6 @@
             </a:pPr>
             <a:fld id="{00000000-1234-1234-1234-123412341234}" type="slidenum">
               <a:rPr lang="en-GB"/>
-              <a:t>‹#›</a:t>
             </a:fld>
             <a:endParaRPr lang="en-GB"/>
           </a:p>
@@ -6143,9 +6085,7 @@
               <a:defRPr/>
             </a:lvl9pPr>
           </a:lstStyle>
-          <a:p>
-            <a:endParaRPr/>
-          </a:p>
+          <a:p/>
         </p:txBody>
       </p:sp>
       <p:sp>
@@ -6423,7 +6363,6 @@
             </a:pPr>
             <a:fld id="{00000000-1234-1234-1234-123412341234}" type="slidenum">
               <a:rPr lang="en-GB"/>
-              <a:t>‹#›</a:t>
             </a:fld>
             <a:endParaRPr lang="en-GB"/>
           </a:p>
@@ -6438,7 +6377,7 @@
 </file>
 
 <file path=ppt/slideLayouts/slideLayout9.xml><?xml version="1.0" encoding="utf-8"?>
-<p:sldLayout xmlns:a="http://schemas.openxmlformats.org/drawingml/2006/main" xmlns:r="http://schemas.openxmlformats.org/officeDocument/2006/relationships" xmlns:p="http://schemas.openxmlformats.org/presentationml/2006/main" matchingName="Blank" type="blank">
+<p:sldLayout xmlns:a="http://schemas.openxmlformats.org/drawingml/2006/main" xmlns:r="http://schemas.openxmlformats.org/officeDocument/2006/relationships" xmlns:p="http://schemas.openxmlformats.org/presentationml/2006/main" type="blank" matchingName="Blank">
   <p:cSld name="BLANK">
     <p:spTree>
       <p:nvGrpSpPr>
@@ -6729,7 +6668,6 @@
             </a:pPr>
             <a:fld id="{00000000-1234-1234-1234-123412341234}" type="slidenum">
               <a:rPr lang="en-GB"/>
-              <a:t>‹#›</a:t>
             </a:fld>
             <a:endParaRPr lang="en-GB"/>
           </a:p>
@@ -7031,9 +6969,7 @@
               </a:defRPr>
             </a:lvl9pPr>
           </a:lstStyle>
-          <a:p>
-            <a:endParaRPr/>
-          </a:p>
+          <a:p/>
         </p:txBody>
       </p:sp>
       <p:sp>
@@ -7299,9 +7235,7 @@
               </a:defRPr>
             </a:lvl9pPr>
           </a:lstStyle>
-          <a:p>
-            <a:endParaRPr/>
-          </a:p>
+          <a:p/>
         </p:txBody>
       </p:sp>
       <p:sp>
@@ -7579,7 +7513,6 @@
             </a:pPr>
             <a:fld id="{00000000-1234-1234-1234-123412341234}" type="slidenum">
               <a:rPr lang="en-GB"/>
-              <a:t>‹#›</a:t>
             </a:fld>
             <a:endParaRPr lang="en-GB"/>
           </a:p>
@@ -7592,7 +7525,7 @@
           <p:nvPr/>
         </p:nvPicPr>
         <p:blipFill rotWithShape="1">
-          <a:blip r:embed="rId12"/>
+          <a:blip r:embed="rId11"/>
           <a:srcRect/>
           <a:stretch>
             <a:fillRect/>
@@ -8526,7 +8459,7 @@
           <p:nvPr/>
         </p:nvPicPr>
         <p:blipFill>
-          <a:blip r:embed="rId3"/>
+          <a:blip r:embed="rId1"/>
           <a:stretch>
             <a:fillRect/>
           </a:stretch>
@@ -8616,6 +8549,9 @@
               </a:rPr>
               <a:t>Are smokers at more risk of chd ?</a:t>
             </a:r>
+            <a:endParaRPr lang="en-US" sz="2800" dirty="0">
+              <a:latin typeface="Copperplate Gothic Bold" panose="020E0705020206020404" pitchFamily="34" charset="0"/>
+            </a:endParaRPr>
           </a:p>
         </p:txBody>
       </p:sp>
@@ -8628,7 +8564,7 @@
           <p:nvPr/>
         </p:nvPicPr>
         <p:blipFill>
-          <a:blip r:embed="rId2"/>
+          <a:blip r:embed="rId1"/>
           <a:stretch>
             <a:fillRect/>
           </a:stretch>
@@ -8694,6 +8630,9 @@
               </a:rPr>
               <a:t>Are hypertensive patients at more risk of chd ?</a:t>
             </a:r>
+            <a:endParaRPr lang="en-US" sz="2800" dirty="0">
+              <a:latin typeface="Copperplate Gothic Bold" panose="020E0705020206020404" pitchFamily="34" charset="0"/>
+            </a:endParaRPr>
           </a:p>
         </p:txBody>
       </p:sp>
@@ -8706,7 +8645,7 @@
           <p:nvPr/>
         </p:nvPicPr>
         <p:blipFill>
-          <a:blip r:embed="rId2"/>
+          <a:blip r:embed="rId1"/>
           <a:stretch>
             <a:fillRect/>
           </a:stretch>
@@ -8772,6 +8711,9 @@
               </a:rPr>
               <a:t>Are patients on bp medication at more risk of chd ?</a:t>
             </a:r>
+            <a:endParaRPr lang="en-US" sz="2800" dirty="0">
+              <a:latin typeface="Copperplate Gothic Bold" panose="020E0705020206020404" pitchFamily="34" charset="0"/>
+            </a:endParaRPr>
           </a:p>
         </p:txBody>
       </p:sp>
@@ -8784,7 +8726,7 @@
           <p:nvPr/>
         </p:nvPicPr>
         <p:blipFill>
-          <a:blip r:embed="rId2"/>
+          <a:blip r:embed="rId1"/>
           <a:stretch>
             <a:fillRect/>
           </a:stretch>
@@ -8850,6 +8792,9 @@
               </a:rPr>
               <a:t>Which age group is more vulnerable to chd ?</a:t>
             </a:r>
+            <a:endParaRPr lang="en-US" sz="2800" dirty="0">
+              <a:latin typeface="Copperplate Gothic Bold" panose="020E0705020206020404" pitchFamily="34" charset="0"/>
+            </a:endParaRPr>
           </a:p>
         </p:txBody>
       </p:sp>
@@ -8862,7 +8807,7 @@
           <p:nvPr/>
         </p:nvPicPr>
         <p:blipFill>
-          <a:blip r:embed="rId2"/>
+          <a:blip r:embed="rId1"/>
           <a:stretch>
             <a:fillRect/>
           </a:stretch>
@@ -8928,6 +8873,9 @@
               </a:rPr>
               <a:t>Are total cholesterol levels related to chd ?</a:t>
             </a:r>
+            <a:endParaRPr lang="en-US" sz="2800" dirty="0">
+              <a:latin typeface="Copperplate Gothic Bold" panose="020E0705020206020404" pitchFamily="34" charset="0"/>
+            </a:endParaRPr>
           </a:p>
         </p:txBody>
       </p:sp>
@@ -8940,7 +8888,7 @@
           <p:nvPr/>
         </p:nvPicPr>
         <p:blipFill>
-          <a:blip r:embed="rId2"/>
+          <a:blip r:embed="rId1"/>
           <a:stretch>
             <a:fillRect/>
           </a:stretch>
@@ -9006,6 +8954,9 @@
               </a:rPr>
               <a:t>Cholestrol level is not the sole deciding factor for chd</a:t>
             </a:r>
+            <a:endParaRPr lang="en-US" sz="2800" dirty="0">
+              <a:latin typeface="Copperplate Gothic Bold" panose="020E0705020206020404" pitchFamily="34" charset="0"/>
+            </a:endParaRPr>
           </a:p>
         </p:txBody>
       </p:sp>
@@ -9018,7 +8969,7 @@
           <p:nvPr/>
         </p:nvPicPr>
         <p:blipFill>
-          <a:blip r:embed="rId2"/>
+          <a:blip r:embed="rId1"/>
           <a:stretch>
             <a:fillRect/>
           </a:stretch>
@@ -9084,6 +9035,9 @@
               </a:rPr>
               <a:t>Can Heart rate possibly define the risk of chd ?</a:t>
             </a:r>
+            <a:endParaRPr lang="en-US" sz="2800" dirty="0">
+              <a:latin typeface="Copperplate Gothic Bold" panose="020E0705020206020404" pitchFamily="34" charset="0"/>
+            </a:endParaRPr>
           </a:p>
         </p:txBody>
       </p:sp>
@@ -9096,7 +9050,7 @@
           <p:nvPr/>
         </p:nvPicPr>
         <p:blipFill>
-          <a:blip r:embed="rId2"/>
+          <a:blip r:embed="rId1"/>
           <a:stretch>
             <a:fillRect/>
           </a:stretch>
@@ -9162,6 +9116,9 @@
               </a:rPr>
               <a:t>Can smoking number of cigarettes per day lead to chd?</a:t>
             </a:r>
+            <a:endParaRPr lang="en-US" sz="2800" dirty="0">
+              <a:latin typeface="Copperplate Gothic Bold" panose="020E0705020206020404" pitchFamily="34" charset="0"/>
+            </a:endParaRPr>
           </a:p>
         </p:txBody>
       </p:sp>
@@ -9174,7 +9131,7 @@
           <p:nvPr/>
         </p:nvPicPr>
         <p:blipFill>
-          <a:blip r:embed="rId2"/>
+          <a:blip r:embed="rId1"/>
           <a:stretch>
             <a:fillRect/>
           </a:stretch>
@@ -9240,6 +9197,9 @@
               </a:rPr>
               <a:t>One who had a stroke earlier more prone to chd ?</a:t>
             </a:r>
+            <a:endParaRPr lang="en-US" sz="2800" dirty="0">
+              <a:latin typeface="Copperplate Gothic Bold" panose="020E0705020206020404" pitchFamily="34" charset="0"/>
+            </a:endParaRPr>
           </a:p>
         </p:txBody>
       </p:sp>
@@ -9252,7 +9212,7 @@
           <p:nvPr/>
         </p:nvPicPr>
         <p:blipFill>
-          <a:blip r:embed="rId2"/>
+          <a:blip r:embed="rId1"/>
           <a:stretch>
             <a:fillRect/>
           </a:stretch>
@@ -9318,6 +9278,9 @@
               </a:rPr>
               <a:t>Are patients with systolic bp at risk of chd ?</a:t>
             </a:r>
+            <a:endParaRPr lang="en-US" sz="2800" dirty="0">
+              <a:latin typeface="Copperplate Gothic Bold" panose="020E0705020206020404" pitchFamily="34" charset="0"/>
+            </a:endParaRPr>
           </a:p>
         </p:txBody>
       </p:sp>
@@ -9330,7 +9293,7 @@
           <p:nvPr/>
         </p:nvPicPr>
         <p:blipFill>
-          <a:blip r:embed="rId2"/>
+          <a:blip r:embed="rId1"/>
           <a:stretch>
             <a:fillRect/>
           </a:stretch>
@@ -9525,7 +9488,7 @@
           <p:nvPr/>
         </p:nvPicPr>
         <p:blipFill rotWithShape="1">
-          <a:blip r:embed="rId2"/>
+          <a:blip r:embed="rId1"/>
           <a:srcRect l="4117" t="30303" r="3688" b="29293"/>
           <a:stretch>
             <a:fillRect/>
@@ -9608,6 +9571,9 @@
               </a:rPr>
               <a:t>Are patients with diastolic bp at risk of chd ?</a:t>
             </a:r>
+            <a:endParaRPr lang="en-US" sz="2800" dirty="0">
+              <a:latin typeface="Copperplate Gothic Bold" panose="020E0705020206020404" pitchFamily="34" charset="0"/>
+            </a:endParaRPr>
           </a:p>
         </p:txBody>
       </p:sp>
@@ -9620,7 +9586,7 @@
           <p:nvPr/>
         </p:nvPicPr>
         <p:blipFill>
-          <a:blip r:embed="rId2"/>
+          <a:blip r:embed="rId1"/>
           <a:stretch>
             <a:fillRect/>
           </a:stretch>
@@ -9698,6 +9664,9 @@
               </a:rPr>
               <a:t> important to show the risk of chd ?</a:t>
             </a:r>
+            <a:endParaRPr lang="en-US" sz="2800" dirty="0">
+              <a:latin typeface="Copperplate Gothic Bold" panose="020E0705020206020404" pitchFamily="34" charset="0"/>
+            </a:endParaRPr>
           </a:p>
         </p:txBody>
       </p:sp>
@@ -9710,7 +9679,7 @@
           <p:nvPr/>
         </p:nvPicPr>
         <p:blipFill>
-          <a:blip r:embed="rId2"/>
+          <a:blip r:embed="rId1"/>
           <a:stretch>
             <a:fillRect/>
           </a:stretch>
@@ -9776,6 +9745,9 @@
               </a:rPr>
               <a:t>Can patients glucose levels show the risk of chd ?</a:t>
             </a:r>
+            <a:endParaRPr lang="en-US" sz="2800" dirty="0">
+              <a:latin typeface="Copperplate Gothic Bold" panose="020E0705020206020404" pitchFamily="34" charset="0"/>
+            </a:endParaRPr>
           </a:p>
         </p:txBody>
       </p:sp>
@@ -9788,7 +9760,7 @@
           <p:nvPr/>
         </p:nvPicPr>
         <p:blipFill>
-          <a:blip r:embed="rId2"/>
+          <a:blip r:embed="rId1"/>
           <a:stretch>
             <a:fillRect/>
           </a:stretch>
@@ -9854,6 +9826,9 @@
               </a:rPr>
               <a:t>K-nn score with varying number of neighbors</a:t>
             </a:r>
+            <a:endParaRPr lang="en-US" sz="2800" dirty="0">
+              <a:latin typeface="Copperplate Gothic Bold" panose="020E0705020206020404" pitchFamily="34" charset="0"/>
+            </a:endParaRPr>
           </a:p>
         </p:txBody>
       </p:sp>
@@ -9866,7 +9841,7 @@
           <p:nvPr/>
         </p:nvPicPr>
         <p:blipFill>
-          <a:blip r:embed="rId2"/>
+          <a:blip r:embed="rId1"/>
           <a:stretch>
             <a:fillRect/>
           </a:stretch>
@@ -9932,6 +9907,9 @@
               </a:rPr>
               <a:t>Roc auc curve for knn</a:t>
             </a:r>
+            <a:endParaRPr lang="en-US" sz="2800" dirty="0">
+              <a:latin typeface="Copperplate Gothic Bold" panose="020E0705020206020404" pitchFamily="34" charset="0"/>
+            </a:endParaRPr>
           </a:p>
         </p:txBody>
       </p:sp>
@@ -9944,7 +9922,7 @@
           <p:nvPr/>
         </p:nvPicPr>
         <p:blipFill>
-          <a:blip r:embed="rId2"/>
+          <a:blip r:embed="rId1"/>
           <a:stretch>
             <a:fillRect/>
           </a:stretch>
@@ -10010,6 +9988,9 @@
               </a:rPr>
               <a:t>The best fitting Model:-</a:t>
             </a:r>
+            <a:endParaRPr lang="en-IN" altLang="en-US" sz="2800" dirty="0">
+              <a:latin typeface="Copperplate Gothic Bold" panose="020E0705020206020404" pitchFamily="34" charset="0"/>
+            </a:endParaRPr>
           </a:p>
         </p:txBody>
       </p:sp>
@@ -10017,13 +9998,7 @@
         <p:nvGraphicFramePr>
           <p:cNvPr id="4" name="Table 3"/>
           <p:cNvGraphicFramePr/>
-          <p:nvPr>
-            <p:extLst>
-              <p:ext uri="{D42A27DB-BD31-4B8C-83A1-F6EECF244321}">
-                <p14:modId xmlns:p14="http://schemas.microsoft.com/office/powerpoint/2010/main" val="3413881695"/>
-              </p:ext>
-            </p:extLst>
-          </p:nvPr>
+          <p:nvPr/>
         </p:nvGraphicFramePr>
         <p:xfrm>
           <a:off x="826223" y="1073098"/>
@@ -10036,34 +10011,10 @@
                 <a:tableStyleId>{5C22544A-7EE6-4342-B048-85BDC9FD1C3A}</a:tableStyleId>
               </a:tblPr>
               <a:tblGrid>
-                <a:gridCol w="932038">
-                  <a:extLst>
-                    <a:ext uri="{9D8B030D-6E8A-4147-A177-3AD203B41FA5}">
-                      <a16:colId xmlns:a16="http://schemas.microsoft.com/office/drawing/2014/main" val="20000"/>
-                    </a:ext>
-                  </a:extLst>
-                </a:gridCol>
-                <a:gridCol w="2812467">
-                  <a:extLst>
-                    <a:ext uri="{9D8B030D-6E8A-4147-A177-3AD203B41FA5}">
-                      <a16:colId xmlns:a16="http://schemas.microsoft.com/office/drawing/2014/main" val="20001"/>
-                    </a:ext>
-                  </a:extLst>
-                </a:gridCol>
-                <a:gridCol w="1872253">
-                  <a:extLst>
-                    <a:ext uri="{9D8B030D-6E8A-4147-A177-3AD203B41FA5}">
-                      <a16:colId xmlns:a16="http://schemas.microsoft.com/office/drawing/2014/main" val="20002"/>
-                    </a:ext>
-                  </a:extLst>
-                </a:gridCol>
-                <a:gridCol w="1872253">
-                  <a:extLst>
-                    <a:ext uri="{9D8B030D-6E8A-4147-A177-3AD203B41FA5}">
-                      <a16:colId xmlns:a16="http://schemas.microsoft.com/office/drawing/2014/main" val="20003"/>
-                    </a:ext>
-                  </a:extLst>
-                </a:gridCol>
+                <a:gridCol w="932038"/>
+                <a:gridCol w="2812467"/>
+                <a:gridCol w="1872253"/>
+                <a:gridCol w="1872253"/>
               </a:tblGrid>
               <a:tr h="547486">
                 <a:tc>
@@ -10078,6 +10029,7 @@
                         <a:rPr lang="en-IN" altLang="en-US" dirty="0"/>
                         <a:t>Sr.no</a:t>
                       </a:r>
+                      <a:endParaRPr lang="en-IN" altLang="en-US" dirty="0"/>
                     </a:p>
                   </a:txBody>
                   <a:tcPr/>
@@ -10094,6 +10046,7 @@
                         <a:rPr lang="en-IN" altLang="en-US" dirty="0"/>
                         <a:t>ML Model</a:t>
                       </a:r>
+                      <a:endParaRPr lang="en-IN" altLang="en-US" dirty="0"/>
                     </a:p>
                   </a:txBody>
                   <a:tcPr/>
@@ -10110,6 +10063,7 @@
                         <a:rPr lang="en-IN" altLang="en-US" dirty="0"/>
                         <a:t>Test Accuracy Score</a:t>
                       </a:r>
+                      <a:endParaRPr lang="en-IN" altLang="en-US" dirty="0"/>
                     </a:p>
                   </a:txBody>
                   <a:tcPr/>
@@ -10126,15 +10080,11 @@
                         <a:rPr lang="en-IN" altLang="en-US" dirty="0"/>
                         <a:t>Train Accuracy Score</a:t>
                       </a:r>
+                      <a:endParaRPr lang="en-IN" altLang="en-US" dirty="0"/>
                     </a:p>
                   </a:txBody>
                   <a:tcPr/>
                 </a:tc>
-                <a:extLst>
-                  <a:ext uri="{0D108BD9-81ED-4DB2-BD59-A6C34878D82A}">
-                    <a16:rowId xmlns:a16="http://schemas.microsoft.com/office/drawing/2014/main" val="10000"/>
-                  </a:ext>
-                </a:extLst>
               </a:tr>
               <a:tr h="402563">
                 <a:tc>
@@ -10149,6 +10099,7 @@
                         <a:rPr lang="en-IN" altLang="en-US" dirty="0"/>
                         <a:t>1</a:t>
                       </a:r>
+                      <a:endParaRPr lang="en-IN" altLang="en-US" dirty="0"/>
                     </a:p>
                   </a:txBody>
                   <a:tcPr/>
@@ -10184,6 +10135,7 @@
                         <a:rPr lang="en-IN" altLang="en-US"/>
                         <a:t>81</a:t>
                       </a:r>
+                      <a:endParaRPr lang="en-IN" altLang="en-US"/>
                     </a:p>
                   </a:txBody>
                   <a:tcPr/>
@@ -10200,15 +10152,11 @@
                         <a:rPr lang="en-IN" altLang="en-US"/>
                         <a:t>83</a:t>
                       </a:r>
+                      <a:endParaRPr lang="en-IN" altLang="en-US"/>
                     </a:p>
                   </a:txBody>
                   <a:tcPr/>
                 </a:tc>
-                <a:extLst>
-                  <a:ext uri="{0D108BD9-81ED-4DB2-BD59-A6C34878D82A}">
-                    <a16:rowId xmlns:a16="http://schemas.microsoft.com/office/drawing/2014/main" val="10001"/>
-                  </a:ext>
-                </a:extLst>
               </a:tr>
               <a:tr h="402563">
                 <a:tc>
@@ -10223,6 +10171,7 @@
                         <a:rPr lang="en-IN" altLang="en-US"/>
                         <a:t>2</a:t>
                       </a:r>
+                      <a:endParaRPr lang="en-IN" altLang="en-US"/>
                     </a:p>
                   </a:txBody>
                   <a:tcPr/>
@@ -10239,6 +10188,7 @@
                         <a:rPr lang="en-IN" altLang="en-US"/>
                         <a:t>KNN</a:t>
                       </a:r>
+                      <a:endParaRPr lang="en-IN" altLang="en-US"/>
                     </a:p>
                   </a:txBody>
                   <a:tcPr/>
@@ -10255,6 +10205,7 @@
                         <a:rPr lang="en-IN" altLang="en-US" dirty="0"/>
                         <a:t>84</a:t>
                       </a:r>
+                      <a:endParaRPr lang="en-IN" altLang="en-US" dirty="0"/>
                     </a:p>
                   </a:txBody>
                   <a:tcPr/>
@@ -10271,15 +10222,11 @@
                         <a:rPr lang="en-IN" altLang="en-US"/>
                         <a:t>86</a:t>
                       </a:r>
+                      <a:endParaRPr lang="en-IN" altLang="en-US"/>
                     </a:p>
                   </a:txBody>
                   <a:tcPr/>
                 </a:tc>
-                <a:extLst>
-                  <a:ext uri="{0D108BD9-81ED-4DB2-BD59-A6C34878D82A}">
-                    <a16:rowId xmlns:a16="http://schemas.microsoft.com/office/drawing/2014/main" val="10002"/>
-                  </a:ext>
-                </a:extLst>
               </a:tr>
               <a:tr h="402563">
                 <a:tc>
@@ -10294,6 +10241,7 @@
                         <a:rPr lang="en-IN" altLang="en-US" dirty="0"/>
                         <a:t>3</a:t>
                       </a:r>
+                      <a:endParaRPr lang="en-IN" altLang="en-US" dirty="0"/>
                     </a:p>
                   </a:txBody>
                   <a:tcPr/>
@@ -10310,6 +10258,7 @@
                         <a:rPr lang="en-IN" altLang="en-US"/>
                         <a:t>Logistic Regression</a:t>
                       </a:r>
+                      <a:endParaRPr lang="en-IN" altLang="en-US"/>
                     </a:p>
                   </a:txBody>
                   <a:tcPr/>
@@ -10326,6 +10275,7 @@
                         <a:rPr lang="en-IN" altLang="en-US"/>
                         <a:t>84</a:t>
                       </a:r>
+                      <a:endParaRPr lang="en-IN" altLang="en-US"/>
                     </a:p>
                   </a:txBody>
                   <a:tcPr/>
@@ -10342,15 +10292,11 @@
                         <a:rPr lang="en-IN" altLang="en-US" dirty="0"/>
                         <a:t>86</a:t>
                       </a:r>
+                      <a:endParaRPr lang="en-IN" altLang="en-US" dirty="0"/>
                     </a:p>
                   </a:txBody>
                   <a:tcPr/>
                 </a:tc>
-                <a:extLst>
-                  <a:ext uri="{0D108BD9-81ED-4DB2-BD59-A6C34878D82A}">
-                    <a16:rowId xmlns:a16="http://schemas.microsoft.com/office/drawing/2014/main" val="10003"/>
-                  </a:ext>
-                </a:extLst>
               </a:tr>
               <a:tr h="402563">
                 <a:tc>
@@ -10365,6 +10311,7 @@
                         <a:rPr lang="en-IN" altLang="en-US"/>
                         <a:t>4</a:t>
                       </a:r>
+                      <a:endParaRPr lang="en-IN" altLang="en-US"/>
                     </a:p>
                   </a:txBody>
                   <a:tcPr/>
@@ -10381,6 +10328,7 @@
                         <a:rPr lang="en-IN" altLang="en-US"/>
                         <a:t>Decision Tree</a:t>
                       </a:r>
+                      <a:endParaRPr lang="en-IN" altLang="en-US"/>
                     </a:p>
                   </a:txBody>
                   <a:tcPr/>
@@ -10397,6 +10345,7 @@
                         <a:rPr lang="en-IN" altLang="en-US"/>
                         <a:t>75</a:t>
                       </a:r>
+                      <a:endParaRPr lang="en-IN" altLang="en-US"/>
                     </a:p>
                   </a:txBody>
                   <a:tcPr/>
@@ -10413,15 +10362,11 @@
                         <a:rPr lang="en-IN" altLang="en-US"/>
                         <a:t>76</a:t>
                       </a:r>
+                      <a:endParaRPr lang="en-IN" altLang="en-US"/>
                     </a:p>
                   </a:txBody>
                   <a:tcPr/>
                 </a:tc>
-                <a:extLst>
-                  <a:ext uri="{0D108BD9-81ED-4DB2-BD59-A6C34878D82A}">
-                    <a16:rowId xmlns:a16="http://schemas.microsoft.com/office/drawing/2014/main" val="10004"/>
-                  </a:ext>
-                </a:extLst>
               </a:tr>
               <a:tr h="402563">
                 <a:tc>
@@ -10436,6 +10381,7 @@
                         <a:rPr lang="en-IN" altLang="en-US"/>
                         <a:t>5</a:t>
                       </a:r>
+                      <a:endParaRPr lang="en-IN" altLang="en-US"/>
                     </a:p>
                   </a:txBody>
                   <a:tcPr/>
@@ -10452,6 +10398,7 @@
                         <a:rPr lang="en-IN" altLang="en-US" dirty="0"/>
                         <a:t>Random Forest</a:t>
                       </a:r>
+                      <a:endParaRPr lang="en-IN" altLang="en-US" dirty="0"/>
                     </a:p>
                   </a:txBody>
                   <a:tcPr/>
@@ -10468,6 +10415,7 @@
                         <a:rPr lang="en-IN" altLang="en-US"/>
                         <a:t>89</a:t>
                       </a:r>
+                      <a:endParaRPr lang="en-IN" altLang="en-US"/>
                     </a:p>
                   </a:txBody>
                   <a:tcPr/>
@@ -10484,15 +10432,11 @@
                         <a:rPr lang="en-IN" altLang="en-US"/>
                         <a:t>99.8</a:t>
                       </a:r>
+                      <a:endParaRPr lang="en-IN" altLang="en-US"/>
                     </a:p>
                   </a:txBody>
                   <a:tcPr/>
                 </a:tc>
-                <a:extLst>
-                  <a:ext uri="{0D108BD9-81ED-4DB2-BD59-A6C34878D82A}">
-                    <a16:rowId xmlns:a16="http://schemas.microsoft.com/office/drawing/2014/main" val="10005"/>
-                  </a:ext>
-                </a:extLst>
               </a:tr>
               <a:tr h="402563">
                 <a:tc>
@@ -10507,6 +10451,7 @@
                         <a:rPr lang="en-IN" altLang="en-US"/>
                         <a:t>6</a:t>
                       </a:r>
+                      <a:endParaRPr lang="en-IN" altLang="en-US"/>
                     </a:p>
                   </a:txBody>
                   <a:tcPr/>
@@ -10523,6 +10468,7 @@
                         <a:rPr lang="en-IN" altLang="en-US"/>
                         <a:t>Gradient Boost</a:t>
                       </a:r>
+                      <a:endParaRPr lang="en-IN" altLang="en-US"/>
                     </a:p>
                   </a:txBody>
                   <a:tcPr/>
@@ -10539,6 +10485,7 @@
                         <a:rPr lang="en-IN" altLang="en-US"/>
                         <a:t>87</a:t>
                       </a:r>
+                      <a:endParaRPr lang="en-IN" altLang="en-US"/>
                     </a:p>
                   </a:txBody>
                   <a:tcPr/>
@@ -10555,15 +10502,11 @@
                         <a:rPr lang="en-IN" altLang="en-US"/>
                         <a:t>90</a:t>
                       </a:r>
+                      <a:endParaRPr lang="en-IN" altLang="en-US"/>
                     </a:p>
                   </a:txBody>
                   <a:tcPr/>
                 </a:tc>
-                <a:extLst>
-                  <a:ext uri="{0D108BD9-81ED-4DB2-BD59-A6C34878D82A}">
-                    <a16:rowId xmlns:a16="http://schemas.microsoft.com/office/drawing/2014/main" val="10006"/>
-                  </a:ext>
-                </a:extLst>
               </a:tr>
               <a:tr h="402563">
                 <a:tc>
@@ -10578,6 +10521,7 @@
                         <a:rPr lang="en-IN" altLang="en-US"/>
                         <a:t>7</a:t>
                       </a:r>
+                      <a:endParaRPr lang="en-IN" altLang="en-US"/>
                     </a:p>
                   </a:txBody>
                   <a:tcPr/>
@@ -10594,6 +10538,7 @@
                         <a:rPr lang="en-IN" altLang="en-US"/>
                         <a:t>XGBoost</a:t>
                       </a:r>
+                      <a:endParaRPr lang="en-IN" altLang="en-US"/>
                     </a:p>
                   </a:txBody>
                   <a:tcPr/>
@@ -10610,6 +10555,7 @@
                         <a:rPr lang="en-IN" altLang="en-US"/>
                         <a:t>97</a:t>
                       </a:r>
+                      <a:endParaRPr lang="en-IN" altLang="en-US"/>
                     </a:p>
                   </a:txBody>
                   <a:tcPr/>
@@ -10626,15 +10572,11 @@
                         <a:rPr lang="en-IN" altLang="en-US" dirty="0"/>
                         <a:t>83</a:t>
                       </a:r>
+                      <a:endParaRPr lang="en-IN" altLang="en-US" dirty="0"/>
                     </a:p>
                   </a:txBody>
                   <a:tcPr/>
                 </a:tc>
-                <a:extLst>
-                  <a:ext uri="{0D108BD9-81ED-4DB2-BD59-A6C34878D82A}">
-                    <a16:rowId xmlns:a16="http://schemas.microsoft.com/office/drawing/2014/main" val="10007"/>
-                  </a:ext>
-                </a:extLst>
               </a:tr>
             </a:tbl>
           </a:graphicData>
@@ -10691,25 +10633,22 @@
               </a:rPr>
               <a:t>Confusion Matrix</a:t>
             </a:r>
+            <a:endParaRPr lang="en-IN" altLang="en-US" sz="2800" dirty="0">
+              <a:latin typeface="Copperplate Gothic Bold" panose="020E0705020206020404" pitchFamily="34" charset="0"/>
+            </a:endParaRPr>
           </a:p>
         </p:txBody>
       </p:sp>
       <p:pic>
         <p:nvPicPr>
-          <p:cNvPr id="10" name="Picture 9">
-            <a:extLst>
-              <a:ext uri="{FF2B5EF4-FFF2-40B4-BE49-F238E27FC236}">
-                <a16:creationId xmlns:a16="http://schemas.microsoft.com/office/drawing/2014/main" id="{B7872754-01E1-4B45-A9B1-CC471F7A1D0E}"/>
-              </a:ext>
-            </a:extLst>
-          </p:cNvPr>
+          <p:cNvPr id="10" name="Picture 9"/>
           <p:cNvPicPr>
             <a:picLocks noChangeAspect="1"/>
           </p:cNvPicPr>
           <p:nvPr/>
         </p:nvPicPr>
         <p:blipFill>
-          <a:blip r:embed="rId2"/>
+          <a:blip r:embed="rId1"/>
           <a:stretch>
             <a:fillRect/>
           </a:stretch>
@@ -10726,20 +10665,14 @@
       </p:pic>
       <p:pic>
         <p:nvPicPr>
-          <p:cNvPr id="15" name="Picture 14">
-            <a:extLst>
-              <a:ext uri="{FF2B5EF4-FFF2-40B4-BE49-F238E27FC236}">
-                <a16:creationId xmlns:a16="http://schemas.microsoft.com/office/drawing/2014/main" id="{D67BB999-B3DF-4D07-B8FE-A11D53D77D3E}"/>
-              </a:ext>
-            </a:extLst>
-          </p:cNvPr>
+          <p:cNvPr id="15" name="Picture 14"/>
           <p:cNvPicPr>
             <a:picLocks noChangeAspect="1"/>
           </p:cNvPicPr>
           <p:nvPr/>
         </p:nvPicPr>
         <p:blipFill>
-          <a:blip r:embed="rId3"/>
+          <a:blip r:embed="rId2"/>
           <a:stretch>
             <a:fillRect/>
           </a:stretch>
@@ -10756,20 +10689,14 @@
       </p:pic>
       <p:pic>
         <p:nvPicPr>
-          <p:cNvPr id="17" name="Picture 16">
-            <a:extLst>
-              <a:ext uri="{FF2B5EF4-FFF2-40B4-BE49-F238E27FC236}">
-                <a16:creationId xmlns:a16="http://schemas.microsoft.com/office/drawing/2014/main" id="{3D722947-79CE-4C75-9ACE-15FF864D687C}"/>
-              </a:ext>
-            </a:extLst>
-          </p:cNvPr>
+          <p:cNvPr id="17" name="Picture 16"/>
           <p:cNvPicPr>
             <a:picLocks noChangeAspect="1"/>
           </p:cNvPicPr>
           <p:nvPr/>
         </p:nvPicPr>
         <p:blipFill>
-          <a:blip r:embed="rId4"/>
+          <a:blip r:embed="rId3"/>
           <a:stretch>
             <a:fillRect/>
           </a:stretch>
@@ -10786,20 +10713,14 @@
       </p:pic>
       <p:pic>
         <p:nvPicPr>
-          <p:cNvPr id="19" name="Picture 18">
-            <a:extLst>
-              <a:ext uri="{FF2B5EF4-FFF2-40B4-BE49-F238E27FC236}">
-                <a16:creationId xmlns:a16="http://schemas.microsoft.com/office/drawing/2014/main" id="{201DF475-69A5-4814-AC7B-580DFF000348}"/>
-              </a:ext>
-            </a:extLst>
-          </p:cNvPr>
+          <p:cNvPr id="19" name="Picture 18"/>
           <p:cNvPicPr>
             <a:picLocks noChangeAspect="1"/>
           </p:cNvPicPr>
           <p:nvPr/>
         </p:nvPicPr>
         <p:blipFill>
-          <a:blip r:embed="rId5"/>
+          <a:blip r:embed="rId4"/>
           <a:stretch>
             <a:fillRect/>
           </a:stretch>
@@ -10841,13 +10762,7 @@
       </p:grpSpPr>
       <p:sp>
         <p:nvSpPr>
-          <p:cNvPr id="2" name="Title 1">
-            <a:extLst>
-              <a:ext uri="{FF2B5EF4-FFF2-40B4-BE49-F238E27FC236}">
-                <a16:creationId xmlns:a16="http://schemas.microsoft.com/office/drawing/2014/main" id="{44C99F50-4E6D-439B-ACDB-D4A90BC2EB08}"/>
-              </a:ext>
-            </a:extLst>
-          </p:cNvPr>
+          <p:cNvPr id="2" name="Title 1"/>
           <p:cNvSpPr>
             <a:spLocks noGrp="1"/>
           </p:cNvSpPr>
@@ -10877,20 +10792,14 @@
       </p:sp>
       <p:pic>
         <p:nvPicPr>
-          <p:cNvPr id="4" name="Picture 3">
-            <a:extLst>
-              <a:ext uri="{FF2B5EF4-FFF2-40B4-BE49-F238E27FC236}">
-                <a16:creationId xmlns:a16="http://schemas.microsoft.com/office/drawing/2014/main" id="{92BF0694-AFE2-4818-9775-2E785D8D2417}"/>
-              </a:ext>
-            </a:extLst>
-          </p:cNvPr>
+          <p:cNvPr id="4" name="Picture 3"/>
           <p:cNvPicPr>
             <a:picLocks noChangeAspect="1"/>
           </p:cNvPicPr>
           <p:nvPr/>
         </p:nvPicPr>
         <p:blipFill>
-          <a:blip r:embed="rId2"/>
+          <a:blip r:embed="rId1"/>
           <a:stretch>
             <a:fillRect/>
           </a:stretch>
@@ -10906,11 +10815,6 @@
         </p:spPr>
       </p:pic>
     </p:spTree>
-    <p:extLst>
-      <p:ext uri="{BB962C8B-B14F-4D97-AF65-F5344CB8AC3E}">
-        <p14:creationId xmlns:p14="http://schemas.microsoft.com/office/powerpoint/2010/main" val="171512333"/>
-      </p:ext>
-    </p:extLst>
   </p:cSld>
   <p:clrMapOvr>
     <a:masterClrMapping/>
@@ -10927,23 +10831,10 @@
         <p:cNvGrpSpPr/>
         <p:nvPr/>
       </p:nvGrpSpPr>
-      <p:grpSpPr>
-        <a:xfrm>
-          <a:off x="0" y="0"/>
-          <a:ext cx="0" cy="0"/>
-          <a:chOff x="0" y="0"/>
-          <a:chExt cx="0" cy="0"/>
-        </a:xfrm>
-      </p:grpSpPr>
+      <p:grpSpPr/>
       <p:sp>
         <p:nvSpPr>
-          <p:cNvPr id="2" name="Title 1">
-            <a:extLst>
-              <a:ext uri="{FF2B5EF4-FFF2-40B4-BE49-F238E27FC236}">
-                <a16:creationId xmlns:a16="http://schemas.microsoft.com/office/drawing/2014/main" id="{523CF952-389B-4477-B8EF-9E64F035D353}"/>
-              </a:ext>
-            </a:extLst>
-          </p:cNvPr>
+          <p:cNvPr id="2" name="Title 1"/>
           <p:cNvSpPr>
             <a:spLocks noGrp="1"/>
           </p:cNvSpPr>
@@ -10953,39 +10844,31 @@
         </p:nvSpPr>
         <p:spPr>
           <a:xfrm>
-            <a:off x="311700" y="217087"/>
-            <a:ext cx="2740686" cy="795990"/>
+            <a:off x="243755" y="362690"/>
+            <a:ext cx="8520600" cy="841800"/>
           </a:xfrm>
         </p:spPr>
         <p:txBody>
           <a:bodyPr/>
-          <a:lstStyle/>
           <a:p>
             <a:r>
-              <a:rPr lang="en-US" sz="2800" dirty="0">
-                <a:latin typeface="Copperplate Gothic Bold" panose="020E0705020206020404" pitchFamily="34" charset="0"/>
-              </a:rPr>
-              <a:t>challenges:</a:t>
+              <a:rPr lang="en-IN" altLang="en-US"/>
+              <a:t>Precision and Recall:-</a:t>
             </a:r>
+            <a:endParaRPr lang="en-IN" altLang="en-US"/>
           </a:p>
         </p:txBody>
       </p:sp>
       <p:sp>
         <p:nvSpPr>
-          <p:cNvPr id="4" name="TextBox 3">
-            <a:extLst>
-              <a:ext uri="{FF2B5EF4-FFF2-40B4-BE49-F238E27FC236}">
-                <a16:creationId xmlns:a16="http://schemas.microsoft.com/office/drawing/2014/main" id="{B71398E2-E6DB-4FD5-9113-6E9AC5AD08BB}"/>
-              </a:ext>
-            </a:extLst>
-          </p:cNvPr>
+          <p:cNvPr id="3" name="Text Box 2"/>
           <p:cNvSpPr txBox="1"/>
           <p:nvPr/>
         </p:nvSpPr>
         <p:spPr>
           <a:xfrm>
-            <a:off x="644685" y="1140589"/>
-            <a:ext cx="8078296" cy="1631216"/>
+            <a:off x="676275" y="1556385"/>
+            <a:ext cx="7599045" cy="3169285"/>
           </a:xfrm>
           <a:prstGeom prst="rect">
             <a:avLst/>
@@ -10993,64 +10876,119 @@
           <a:noFill/>
         </p:spPr>
         <p:txBody>
-          <a:bodyPr wrap="square">
+          <a:bodyPr wrap="square" rtlCol="0" anchor="t">
             <a:spAutoFit/>
           </a:bodyPr>
-          <a:lstStyle/>
           <a:p>
             <a:pPr marL="342900" indent="-342900">
-              <a:buFont typeface="Wingdings" panose="05000000000000000000" pitchFamily="2" charset="2"/>
-              <a:buChar char="§"/>
+              <a:buFont typeface="Arial" panose="020B0604020202020204" pitchFamily="34" charset="0"/>
+              <a:buChar char="•"/>
             </a:pPr>
             <a:r>
-              <a:rPr lang="en-US" sz="2000" dirty="0">
-                <a:solidFill>
-                  <a:schemeClr val="bg1"/>
+              <a:rPr lang="en-US" sz="2000">
+                <a:solidFill>
+                  <a:schemeClr val="bg1">
+                    <a:lumMod val="75000"/>
+                  </a:schemeClr>
                 </a:solidFill>
                 <a:latin typeface="Bahnschrift Condensed" panose="020B0502040204020203" pitchFamily="34" charset="0"/>
+                <a:cs typeface="Bahnschrift Condensed" panose="020B0502040204020203" pitchFamily="34" charset="0"/>
               </a:rPr>
-              <a:t>Less amount of data available made it difficult to predict properly.</a:t>
+              <a:t>The precision is the proportion of relevant results in the list of all returned search results. </a:t>
             </a:r>
+            <a:endParaRPr lang="en-US" sz="2000">
+              <a:solidFill>
+                <a:schemeClr val="bg1">
+                  <a:lumMod val="75000"/>
+                </a:schemeClr>
+              </a:solidFill>
+              <a:latin typeface="Bahnschrift Condensed" panose="020B0502040204020203" pitchFamily="34" charset="0"/>
+              <a:cs typeface="Bahnschrift Condensed" panose="020B0502040204020203" pitchFamily="34" charset="0"/>
+            </a:endParaRPr>
           </a:p>
           <a:p>
-            <a:endParaRPr lang="en-US" sz="2000" dirty="0">
+            <a:endParaRPr lang="en-US" sz="2000">
               <a:solidFill>
-                <a:schemeClr val="bg1"/>
+                <a:schemeClr val="bg1">
+                  <a:lumMod val="75000"/>
+                </a:schemeClr>
               </a:solidFill>
               <a:latin typeface="Bahnschrift Condensed" panose="020B0502040204020203" pitchFamily="34" charset="0"/>
+              <a:cs typeface="Bahnschrift Condensed" panose="020B0502040204020203" pitchFamily="34" charset="0"/>
             </a:endParaRPr>
           </a:p>
           <a:p>
             <a:pPr marL="342900" indent="-342900">
-              <a:buFont typeface="Wingdings" panose="05000000000000000000" pitchFamily="2" charset="2"/>
-              <a:buChar char="§"/>
+              <a:buFont typeface="Arial" panose="020B0604020202020204" pitchFamily="34" charset="0"/>
+              <a:buChar char="•"/>
             </a:pPr>
             <a:r>
-              <a:rPr lang="en-US" sz="2000" dirty="0">
-                <a:solidFill>
-                  <a:schemeClr val="bg1"/>
+              <a:rPr lang="en-US" sz="2000">
+                <a:solidFill>
+                  <a:schemeClr val="bg1">
+                    <a:lumMod val="75000"/>
+                  </a:schemeClr>
                 </a:solidFill>
                 <a:latin typeface="Bahnschrift Condensed" panose="020B0502040204020203" pitchFamily="34" charset="0"/>
+                <a:cs typeface="Bahnschrift Condensed" panose="020B0502040204020203" pitchFamily="34" charset="0"/>
               </a:rPr>
-              <a:t>Missing relevant/Important features in our dataset like Chest pain location, chest pain type, Family history of coronary artery, Exercise, etc.</a:t>
+              <a:t>The recall is the ratio of the relevant results returned by the search engine to the total number of the relevant results that could have been returned.</a:t>
             </a:r>
+            <a:endParaRPr lang="en-US" sz="2000">
+              <a:solidFill>
+                <a:schemeClr val="bg1">
+                  <a:lumMod val="75000"/>
+                </a:schemeClr>
+              </a:solidFill>
+              <a:latin typeface="Bahnschrift Condensed" panose="020B0502040204020203" pitchFamily="34" charset="0"/>
+              <a:cs typeface="Bahnschrift Condensed" panose="020B0502040204020203" pitchFamily="34" charset="0"/>
+            </a:endParaRPr>
           </a:p>
           <a:p>
-            <a:endParaRPr lang="en-US" sz="2000" dirty="0">
+            <a:pPr marL="342900" indent="-342900">
+              <a:buFont typeface="Arial" panose="020B0604020202020204" pitchFamily="34" charset="0"/>
+              <a:buChar char="•"/>
+            </a:pPr>
+            <a:endParaRPr lang="en-US" sz="2000">
               <a:solidFill>
-                <a:schemeClr val="bg1"/>
+                <a:schemeClr val="bg1">
+                  <a:lumMod val="75000"/>
+                </a:schemeClr>
               </a:solidFill>
               <a:latin typeface="Bahnschrift Condensed" panose="020B0502040204020203" pitchFamily="34" charset="0"/>
+              <a:cs typeface="Bahnschrift Condensed" panose="020B0502040204020203" pitchFamily="34" charset="0"/>
+            </a:endParaRPr>
+          </a:p>
+          <a:p>
+            <a:pPr marL="342900" indent="-342900">
+              <a:buFont typeface="Arial" panose="020B0604020202020204" pitchFamily="34" charset="0"/>
+              <a:buChar char="•"/>
+            </a:pPr>
+            <a:r>
+              <a:rPr lang="en-IN" altLang="en-US" sz="2000">
+                <a:solidFill>
+                  <a:schemeClr val="bg1">
+                    <a:lumMod val="75000"/>
+                  </a:schemeClr>
+                </a:solidFill>
+                <a:latin typeface="Bahnschrift Condensed" panose="020B0502040204020203" pitchFamily="34" charset="0"/>
+                <a:cs typeface="Bahnschrift Condensed" panose="020B0502040204020203" pitchFamily="34" charset="0"/>
+              </a:rPr>
+              <a:t>In this project we are giving more importance to recall because predicting that the person doesn’t have a disease when he have one can risk that persons life.</a:t>
+            </a:r>
+            <a:endParaRPr lang="en-IN" altLang="en-US" sz="2000">
+              <a:solidFill>
+                <a:schemeClr val="bg1">
+                  <a:lumMod val="75000"/>
+                </a:schemeClr>
+              </a:solidFill>
+              <a:latin typeface="Bahnschrift Condensed" panose="020B0502040204020203" pitchFamily="34" charset="0"/>
+              <a:cs typeface="Bahnschrift Condensed" panose="020B0502040204020203" pitchFamily="34" charset="0"/>
             </a:endParaRPr>
           </a:p>
         </p:txBody>
       </p:sp>
     </p:spTree>
-    <p:extLst>
-      <p:ext uri="{BB962C8B-B14F-4D97-AF65-F5344CB8AC3E}">
-        <p14:creationId xmlns:p14="http://schemas.microsoft.com/office/powerpoint/2010/main" val="3305987336"/>
-      </p:ext>
-    </p:extLst>
   </p:cSld>
   <p:clrMapOvr>
     <a:masterClrMapping/>
@@ -11077,13 +11015,7 @@
       </p:grpSpPr>
       <p:sp>
         <p:nvSpPr>
-          <p:cNvPr id="3" name="Title 2">
-            <a:extLst>
-              <a:ext uri="{FF2B5EF4-FFF2-40B4-BE49-F238E27FC236}">
-                <a16:creationId xmlns:a16="http://schemas.microsoft.com/office/drawing/2014/main" id="{675A8B3D-2F04-4D8C-8770-474A6305613D}"/>
-              </a:ext>
-            </a:extLst>
-          </p:cNvPr>
+          <p:cNvPr id="2" name="Title 1"/>
           <p:cNvSpPr>
             <a:spLocks noGrp="1"/>
           </p:cNvSpPr>
@@ -11093,8 +11025,8 @@
         </p:nvSpPr>
         <p:spPr>
           <a:xfrm>
-            <a:off x="311700" y="361435"/>
-            <a:ext cx="3010401" cy="572700"/>
+            <a:off x="311700" y="217087"/>
+            <a:ext cx="2740686" cy="795990"/>
           </a:xfrm>
         </p:spPr>
         <p:txBody>
@@ -11102,63 +11034,82 @@
           <a:lstStyle/>
           <a:p>
             <a:r>
-              <a:rPr lang="en-IN" altLang="en-US" dirty="0">
+              <a:rPr lang="en-US" sz="2800" dirty="0">
                 <a:latin typeface="Copperplate Gothic Bold" panose="020E0705020206020404" pitchFamily="34" charset="0"/>
               </a:rPr>
-              <a:t>Conclusion</a:t>
+              <a:t>challenges:</a:t>
             </a:r>
-            <a:r>
-              <a:rPr lang="en-IN" altLang="en-US" dirty="0">
-                <a:latin typeface="Bahnschrift SemiBold" panose="020B0502040204020203" pitchFamily="34" charset="0"/>
-              </a:rPr>
-              <a:t>:</a:t>
-            </a:r>
-            <a:endParaRPr lang="en-IN" dirty="0"/>
+            <a:endParaRPr lang="en-US" sz="2800" dirty="0">
+              <a:latin typeface="Copperplate Gothic Bold" panose="020E0705020206020404" pitchFamily="34" charset="0"/>
+            </a:endParaRPr>
           </a:p>
         </p:txBody>
       </p:sp>
       <p:sp>
         <p:nvSpPr>
-          <p:cNvPr id="4" name="Text Placeholder 3">
-            <a:extLst>
-              <a:ext uri="{FF2B5EF4-FFF2-40B4-BE49-F238E27FC236}">
-                <a16:creationId xmlns:a16="http://schemas.microsoft.com/office/drawing/2014/main" id="{3596A927-4C5C-4C6B-BA54-886F7006368B}"/>
-              </a:ext>
-            </a:extLst>
-          </p:cNvPr>
-          <p:cNvSpPr>
-            <a:spLocks noGrp="1"/>
-          </p:cNvSpPr>
-          <p:nvPr>
-            <p:ph type="body" idx="1"/>
-          </p:nvPr>
+          <p:cNvPr id="4" name="TextBox 3"/>
+          <p:cNvSpPr txBox="1"/>
+          <p:nvPr/>
         </p:nvSpPr>
         <p:spPr>
           <a:xfrm>
-            <a:off x="311700" y="934135"/>
-            <a:ext cx="8520600" cy="3634740"/>
+            <a:off x="644685" y="1140589"/>
+            <a:ext cx="8078296" cy="2861310"/>
           </a:xfrm>
+          <a:prstGeom prst="rect">
+            <a:avLst/>
+          </a:prstGeom>
+          <a:noFill/>
         </p:spPr>
         <p:txBody>
-          <a:bodyPr/>
+          <a:bodyPr wrap="square">
+            <a:spAutoFit/>
+          </a:bodyPr>
           <a:lstStyle/>
           <a:p>
-            <a:pPr marL="114300" indent="0">
-              <a:buNone/>
+            <a:pPr marL="342900" indent="-342900">
+              <a:buFont typeface="Wingdings" panose="05000000000000000000" pitchFamily="2" charset="2"/>
+              <a:buChar char="§"/>
             </a:pPr>
             <a:r>
               <a:rPr lang="en-US" sz="2000" dirty="0">
                 <a:solidFill>
-                  <a:schemeClr val="bg1"/>
+                  <a:schemeClr val="bg1">
+                    <a:lumMod val="75000"/>
+                  </a:schemeClr>
                 </a:solidFill>
                 <a:latin typeface="Bahnschrift Condensed" panose="020B0502040204020203" pitchFamily="34" charset="0"/>
               </a:rPr>
-              <a:t>A cardiovascular disease detection model has been built using no of ML classification modelling techniques.</a:t>
+              <a:t>Less</a:t>
             </a:r>
+            <a:r>
+              <a:rPr lang="en-US" sz="2000" dirty="0">
+                <a:solidFill>
+                  <a:schemeClr val="bg1"/>
+                </a:solidFill>
+                <a:latin typeface="Bahnschrift Condensed" panose="020B0502040204020203" pitchFamily="34" charset="0"/>
+              </a:rPr>
+              <a:t> amount of data available made it difficult to predict properly.</a:t>
+            </a:r>
+            <a:endParaRPr lang="en-US" sz="2000" dirty="0">
+              <a:solidFill>
+                <a:schemeClr val="bg1"/>
+              </a:solidFill>
+              <a:latin typeface="Bahnschrift Condensed" panose="020B0502040204020203" pitchFamily="34" charset="0"/>
+            </a:endParaRPr>
           </a:p>
           <a:p>
-            <a:pPr marL="114300" indent="0">
-              <a:buNone/>
+            <a:endParaRPr lang="en-US" sz="2000" dirty="0">
+              <a:solidFill>
+                <a:schemeClr val="bg1"/>
+              </a:solidFill>
+              <a:latin typeface="Bahnschrift Condensed" panose="020B0502040204020203" pitchFamily="34" charset="0"/>
+            </a:endParaRPr>
+          </a:p>
+          <a:p>
+            <a:pPr marL="342900" indent="-342900">
+              <a:buFont typeface="Wingdings" panose="05000000000000000000" pitchFamily="2" charset="2"/>
+              <a:buChar char="§"/>
             </a:pPr>
             <a:r>
               <a:rPr lang="en-US" sz="2000" dirty="0">
@@ -11167,12 +11118,19 @@
                 </a:solidFill>
                 <a:latin typeface="Bahnschrift Condensed" panose="020B0502040204020203" pitchFamily="34" charset="0"/>
               </a:rPr>
-              <a:t>This project once deployed can possibly help predict the patients for cardiovascular disease based to their past medical history Blood pressure, Body mass index, Sugar levels etc.</a:t>
+              <a:t>Missing relevant/Important features in our dataset like Chest pain location, chest pain type, Family history of coronary artery, Exercise, etc.</a:t>
             </a:r>
+            <a:endParaRPr lang="en-US" sz="2000" dirty="0">
+              <a:solidFill>
+                <a:schemeClr val="bg1"/>
+              </a:solidFill>
+              <a:latin typeface="Bahnschrift Condensed" panose="020B0502040204020203" pitchFamily="34" charset="0"/>
+            </a:endParaRPr>
           </a:p>
           <a:p>
-            <a:pPr marL="114300" indent="0">
-              <a:buNone/>
+            <a:pPr marL="342900" indent="-342900">
+              <a:buFont typeface="Wingdings" panose="05000000000000000000" pitchFamily="2" charset="2"/>
+              <a:buChar char="§"/>
             </a:pPr>
             <a:endParaRPr lang="en-US" sz="2000" dirty="0">
               <a:solidFill>
@@ -11182,37 +11140,19 @@
             </a:endParaRPr>
           </a:p>
           <a:p>
-            <a:pPr marL="114300" indent="0">
-              <a:buNone/>
+            <a:pPr marL="342900" indent="-342900">
+              <a:buFont typeface="Wingdings" panose="05000000000000000000" pitchFamily="2" charset="2"/>
+              <a:buChar char="§"/>
             </a:pPr>
             <a:r>
-              <a:rPr lang="en-US" sz="2000" dirty="0">
+              <a:rPr lang="en-IN" altLang="en-US" sz="2000" dirty="0">
                 <a:solidFill>
                   <a:schemeClr val="bg1"/>
                 </a:solidFill>
                 <a:latin typeface="Bahnschrift Condensed" panose="020B0502040204020203" pitchFamily="34" charset="0"/>
               </a:rPr>
-              <a:t>The algorithms used in building the model are Logistic regression, Decision trees, KNN, Random forest classifier, Naive bayes classifier, Gradient boost and XGboost.</a:t>
+              <a:t>The dataset was inbalanced and hence we were not able to aplly some models properly.</a:t>
             </a:r>
-          </a:p>
-          <a:p>
-            <a:pPr marL="114300" indent="0">
-              <a:buNone/>
-            </a:pPr>
-            <a:r>
-              <a:rPr lang="en-US" sz="2000" dirty="0">
-                <a:solidFill>
-                  <a:schemeClr val="bg1"/>
-                </a:solidFill>
-                <a:latin typeface="Bahnschrift Condensed" panose="020B0502040204020203" pitchFamily="34" charset="0"/>
-              </a:rPr>
-              <a:t>The top three models with best accuracy are Gradient boost, Random forest &amp; XGboost with accuracy of  87%, 89%,and 97% respectively.</a:t>
-            </a:r>
-          </a:p>
-          <a:p>
-            <a:pPr marL="114300" indent="0">
-              <a:buNone/>
-            </a:pPr>
             <a:endParaRPr lang="en-US" sz="2000" dirty="0">
               <a:solidFill>
                 <a:schemeClr val="bg1"/>
@@ -11221,32 +11161,7 @@
             </a:endParaRPr>
           </a:p>
           <a:p>
-            <a:pPr marL="114300" indent="0">
-              <a:buNone/>
-            </a:pPr>
             <a:endParaRPr lang="en-US" sz="2000" dirty="0">
-              <a:solidFill>
-                <a:schemeClr val="bg1"/>
-              </a:solidFill>
-              <a:latin typeface="Bahnschrift Condensed" panose="020B0502040204020203" pitchFamily="34" charset="0"/>
-            </a:endParaRPr>
-          </a:p>
-          <a:p>
-            <a:pPr marL="114300" indent="0">
-              <a:buNone/>
-            </a:pPr>
-            <a:endParaRPr lang="en-US" sz="2000" dirty="0">
-              <a:solidFill>
-                <a:schemeClr val="bg1"/>
-              </a:solidFill>
-              <a:latin typeface="Bahnschrift Condensed" panose="020B0502040204020203" pitchFamily="34" charset="0"/>
-            </a:endParaRPr>
-          </a:p>
-          <a:p>
-            <a:pPr marL="114300" indent="0">
-              <a:buNone/>
-            </a:pPr>
-            <a:endParaRPr lang="en-IN" sz="2000" dirty="0">
               <a:solidFill>
                 <a:schemeClr val="bg1"/>
               </a:solidFill>
@@ -11255,66 +11170,7 @@
           </a:p>
         </p:txBody>
       </p:sp>
-      <p:pic>
-        <p:nvPicPr>
-          <p:cNvPr id="5" name="Picture 4">
-            <a:extLst>
-              <a:ext uri="{FF2B5EF4-FFF2-40B4-BE49-F238E27FC236}">
-                <a16:creationId xmlns:a16="http://schemas.microsoft.com/office/drawing/2014/main" id="{411E38F5-63A3-471A-806D-460702A8E980}"/>
-              </a:ext>
-            </a:extLst>
-          </p:cNvPr>
-          <p:cNvPicPr>
-            <a:picLocks noChangeAspect="1"/>
-          </p:cNvPicPr>
-          <p:nvPr/>
-        </p:nvPicPr>
-        <p:blipFill>
-          <a:blip r:embed="rId2"/>
-          <a:stretch>
-            <a:fillRect/>
-          </a:stretch>
-        </p:blipFill>
-        <p:spPr>
-          <a:xfrm>
-            <a:off x="6317672" y="4052305"/>
-            <a:ext cx="2099160" cy="978431"/>
-          </a:xfrm>
-          <a:prstGeom prst="roundRect">
-            <a:avLst>
-              <a:gd name="adj" fmla="val 16667"/>
-            </a:avLst>
-          </a:prstGeom>
-          <a:ln>
-            <a:noFill/>
-          </a:ln>
-          <a:effectLst>
-            <a:outerShdw blurRad="152400" dist="12000" dir="900000" sy="98000" kx="110000" ky="200000" algn="tl" rotWithShape="0">
-              <a:srgbClr val="000000">
-                <a:alpha val="30000"/>
-              </a:srgbClr>
-            </a:outerShdw>
-          </a:effectLst>
-          <a:scene3d>
-            <a:camera prst="perspectiveRelaxed">
-              <a:rot lat="19800000" lon="1200000" rev="20820000"/>
-            </a:camera>
-            <a:lightRig rig="threePt" dir="t"/>
-          </a:scene3d>
-          <a:sp3d contourW="6350" prstMaterial="matte">
-            <a:bevelT w="101600" h="101600"/>
-            <a:contourClr>
-              <a:srgbClr val="969696"/>
-            </a:contourClr>
-          </a:sp3d>
-        </p:spPr>
-      </p:pic>
     </p:spTree>
-    <p:extLst>
-      <p:ext uri="{BB962C8B-B14F-4D97-AF65-F5344CB8AC3E}">
-        <p14:creationId xmlns:p14="http://schemas.microsoft.com/office/powerpoint/2010/main" val="3793622308"/>
-      </p:ext>
-    </p:extLst>
   </p:cSld>
   <p:clrMapOvr>
     <a:masterClrMapping/>
@@ -11365,6 +11221,9 @@
               </a:rPr>
               <a:t>Problem Statement:</a:t>
             </a:r>
+            <a:endParaRPr lang="en-IN" altLang="en-US" dirty="0">
+              <a:latin typeface="Copperplate Gothic Bold" panose="020E0705020206020404" pitchFamily="34" charset="0"/>
+            </a:endParaRPr>
           </a:p>
         </p:txBody>
       </p:sp>
@@ -11397,6 +11256,12 @@
               </a:rPr>
               <a:t>The dataset is from an ongoing cardiovascular study on residents of the town of Framingham, Massachusetts.</a:t>
             </a:r>
+            <a:endParaRPr lang="en-US" sz="2000" dirty="0">
+              <a:solidFill>
+                <a:schemeClr val="bg1"/>
+              </a:solidFill>
+              <a:latin typeface="Bahnschrift Condensed" panose="020B0502040204020203" pitchFamily="34" charset="0"/>
+            </a:endParaRPr>
           </a:p>
           <a:p>
             <a:endParaRPr lang="en-US" sz="2000" dirty="0">
@@ -11416,6 +11281,12 @@
               </a:rPr>
               <a:t>The classification goal is to predict whether the patient has a 10-year risk of future coronary heart disease(CHD).</a:t>
             </a:r>
+            <a:endParaRPr lang="en-US" sz="2000" dirty="0">
+              <a:solidFill>
+                <a:schemeClr val="bg1"/>
+              </a:solidFill>
+              <a:latin typeface="Bahnschrift Condensed" panose="020B0502040204020203" pitchFamily="34" charset="0"/>
+            </a:endParaRPr>
           </a:p>
           <a:p>
             <a:endParaRPr lang="en-US" sz="2000" dirty="0">
@@ -11453,7 +11324,7 @@
           <p:nvPr/>
         </p:nvPicPr>
         <p:blipFill rotWithShape="1">
-          <a:blip r:embed="rId2"/>
+          <a:blip r:embed="rId1"/>
           <a:srcRect l="5326" t="10388" r="4838" b="12853"/>
           <a:stretch>
             <a:fillRect/>
@@ -11520,6 +11391,223 @@
       </p:grpSpPr>
       <p:sp>
         <p:nvSpPr>
+          <p:cNvPr id="3" name="Title 2"/>
+          <p:cNvSpPr>
+            <a:spLocks noGrp="1"/>
+          </p:cNvSpPr>
+          <p:nvPr>
+            <p:ph type="title"/>
+          </p:nvPr>
+        </p:nvSpPr>
+        <p:spPr>
+          <a:xfrm>
+            <a:off x="311700" y="361435"/>
+            <a:ext cx="3010401" cy="572700"/>
+          </a:xfrm>
+        </p:spPr>
+        <p:txBody>
+          <a:bodyPr/>
+          <a:lstStyle/>
+          <a:p>
+            <a:r>
+              <a:rPr lang="en-IN" altLang="en-US" dirty="0">
+                <a:latin typeface="Copperplate Gothic Bold" panose="020E0705020206020404" pitchFamily="34" charset="0"/>
+              </a:rPr>
+              <a:t>Conclusion</a:t>
+            </a:r>
+            <a:r>
+              <a:rPr lang="en-IN" altLang="en-US" dirty="0">
+                <a:latin typeface="Bahnschrift SemiBold" panose="020B0502040204020203" pitchFamily="34" charset="0"/>
+              </a:rPr>
+              <a:t>:</a:t>
+            </a:r>
+            <a:endParaRPr lang="en-IN" dirty="0"/>
+          </a:p>
+        </p:txBody>
+      </p:sp>
+      <p:sp>
+        <p:nvSpPr>
+          <p:cNvPr id="4" name="Text Placeholder 3"/>
+          <p:cNvSpPr>
+            <a:spLocks noGrp="1"/>
+          </p:cNvSpPr>
+          <p:nvPr>
+            <p:ph type="body" idx="1"/>
+          </p:nvPr>
+        </p:nvSpPr>
+        <p:spPr>
+          <a:xfrm>
+            <a:off x="311700" y="934135"/>
+            <a:ext cx="8520600" cy="3634740"/>
+          </a:xfrm>
+        </p:spPr>
+        <p:txBody>
+          <a:bodyPr/>
+          <a:lstStyle/>
+          <a:p>
+            <a:pPr marL="114300" indent="0">
+              <a:buNone/>
+            </a:pPr>
+            <a:r>
+              <a:rPr lang="en-US" sz="2000" dirty="0">
+                <a:solidFill>
+                  <a:schemeClr val="bg1"/>
+                </a:solidFill>
+                <a:latin typeface="Bahnschrift Condensed" panose="020B0502040204020203" pitchFamily="34" charset="0"/>
+              </a:rPr>
+              <a:t>A cardiovascular disease detection model has been built using no of ML classification modelling techniques.</a:t>
+            </a:r>
+            <a:endParaRPr lang="en-US" sz="2000" dirty="0">
+              <a:solidFill>
+                <a:schemeClr val="bg1"/>
+              </a:solidFill>
+              <a:latin typeface="Bahnschrift Condensed" panose="020B0502040204020203" pitchFamily="34" charset="0"/>
+            </a:endParaRPr>
+          </a:p>
+          <a:p>
+            <a:pPr marL="114300" indent="0">
+              <a:buNone/>
+            </a:pPr>
+            <a:r>
+              <a:rPr lang="en-US" sz="2000" dirty="0">
+                <a:solidFill>
+                  <a:schemeClr val="bg1"/>
+                </a:solidFill>
+                <a:latin typeface="Bahnschrift Condensed" panose="020B0502040204020203" pitchFamily="34" charset="0"/>
+              </a:rPr>
+              <a:t>This project once deployed can possibly help predict the patients for cardiovascular disease based to their past medical history Blood pressure, Body mass index, Sugar levels etc.</a:t>
+            </a:r>
+            <a:endParaRPr lang="en-US" sz="2000" dirty="0">
+              <a:solidFill>
+                <a:schemeClr val="bg1"/>
+              </a:solidFill>
+              <a:latin typeface="Bahnschrift Condensed" panose="020B0502040204020203" pitchFamily="34" charset="0"/>
+            </a:endParaRPr>
+          </a:p>
+          <a:p>
+            <a:pPr marL="114300" indent="0">
+              <a:buNone/>
+            </a:pPr>
+            <a:endParaRPr lang="en-US" sz="2000" dirty="0">
+              <a:solidFill>
+                <a:schemeClr val="bg1"/>
+              </a:solidFill>
+              <a:latin typeface="Bahnschrift Condensed" panose="020B0502040204020203" pitchFamily="34" charset="0"/>
+            </a:endParaRPr>
+          </a:p>
+          <a:p>
+            <a:pPr marL="114300" indent="0">
+              <a:buNone/>
+            </a:pPr>
+            <a:r>
+              <a:rPr lang="en-US" sz="2000" dirty="0">
+                <a:solidFill>
+                  <a:schemeClr val="bg1"/>
+                </a:solidFill>
+                <a:latin typeface="Bahnschrift Condensed" panose="020B0502040204020203" pitchFamily="34" charset="0"/>
+              </a:rPr>
+              <a:t>The algorithms used in building the model are Logistic regression, Decision trees, KNN, Random forest classifier, Naive bayes classifier, Gradient boost and XGboost.</a:t>
+            </a:r>
+            <a:endParaRPr lang="en-US" sz="2000" dirty="0">
+              <a:solidFill>
+                <a:schemeClr val="bg1"/>
+              </a:solidFill>
+              <a:latin typeface="Bahnschrift Condensed" panose="020B0502040204020203" pitchFamily="34" charset="0"/>
+            </a:endParaRPr>
+          </a:p>
+          <a:p>
+            <a:pPr marL="114300" indent="0">
+              <a:buNone/>
+            </a:pPr>
+            <a:r>
+              <a:rPr lang="en-US" sz="2000" dirty="0">
+                <a:solidFill>
+                  <a:schemeClr val="bg1"/>
+                </a:solidFill>
+                <a:latin typeface="Bahnschrift Condensed" panose="020B0502040204020203" pitchFamily="34" charset="0"/>
+              </a:rPr>
+              <a:t>The top three models with best accuracy are Gradient boost, Random forest &amp; XGboost with accuracy of  87%, 89%,and 97% respectively.</a:t>
+            </a:r>
+            <a:endParaRPr lang="en-US" sz="2000" dirty="0">
+              <a:solidFill>
+                <a:schemeClr val="bg1"/>
+              </a:solidFill>
+              <a:latin typeface="Bahnschrift Condensed" panose="020B0502040204020203" pitchFamily="34" charset="0"/>
+            </a:endParaRPr>
+          </a:p>
+          <a:p>
+            <a:pPr marL="114300" indent="0">
+              <a:buNone/>
+            </a:pPr>
+            <a:endParaRPr lang="en-US" sz="2000" dirty="0">
+              <a:solidFill>
+                <a:schemeClr val="bg1"/>
+              </a:solidFill>
+              <a:latin typeface="Bahnschrift Condensed" panose="020B0502040204020203" pitchFamily="34" charset="0"/>
+            </a:endParaRPr>
+          </a:p>
+          <a:p>
+            <a:pPr marL="114300" indent="0">
+              <a:buNone/>
+            </a:pPr>
+            <a:endParaRPr lang="en-US" sz="2000" dirty="0">
+              <a:solidFill>
+                <a:schemeClr val="bg1"/>
+              </a:solidFill>
+              <a:latin typeface="Bahnschrift Condensed" panose="020B0502040204020203" pitchFamily="34" charset="0"/>
+            </a:endParaRPr>
+          </a:p>
+          <a:p>
+            <a:pPr marL="114300" indent="0">
+              <a:buNone/>
+            </a:pPr>
+            <a:endParaRPr lang="en-US" sz="2000" dirty="0">
+              <a:solidFill>
+                <a:schemeClr val="bg1"/>
+              </a:solidFill>
+              <a:latin typeface="Bahnschrift Condensed" panose="020B0502040204020203" pitchFamily="34" charset="0"/>
+            </a:endParaRPr>
+          </a:p>
+          <a:p>
+            <a:pPr marL="114300" indent="0">
+              <a:buNone/>
+            </a:pPr>
+            <a:endParaRPr lang="en-IN" sz="2000" dirty="0">
+              <a:solidFill>
+                <a:schemeClr val="bg1"/>
+              </a:solidFill>
+              <a:latin typeface="Bahnschrift Condensed" panose="020B0502040204020203" pitchFamily="34" charset="0"/>
+            </a:endParaRPr>
+          </a:p>
+        </p:txBody>
+      </p:sp>
+    </p:spTree>
+  </p:cSld>
+  <p:clrMapOvr>
+    <a:masterClrMapping/>
+  </p:clrMapOvr>
+</p:sld>
+</file>
+
+<file path=ppt/slides/slide31.xml><?xml version="1.0" encoding="utf-8"?>
+<p:sld xmlns:a="http://schemas.openxmlformats.org/drawingml/2006/main" xmlns:r="http://schemas.openxmlformats.org/officeDocument/2006/relationships" xmlns:p="http://schemas.openxmlformats.org/presentationml/2006/main">
+  <p:cSld>
+    <p:spTree>
+      <p:nvGrpSpPr>
+        <p:cNvPr id="1" name=""/>
+        <p:cNvGrpSpPr/>
+        <p:nvPr/>
+      </p:nvGrpSpPr>
+      <p:grpSpPr>
+        <a:xfrm>
+          <a:off x="0" y="0"/>
+          <a:ext cx="0" cy="0"/>
+          <a:chOff x="0" y="0"/>
+          <a:chExt cx="0" cy="0"/>
+        </a:xfrm>
+      </p:grpSpPr>
+      <p:sp>
+        <p:nvSpPr>
           <p:cNvPr id="2" name="Title 1"/>
           <p:cNvSpPr>
             <a:spLocks noGrp="1"/>
@@ -11544,6 +11632,9 @@
               </a:rPr>
               <a:t>Conclusion:</a:t>
             </a:r>
+            <a:endParaRPr lang="en-IN" altLang="en-US" dirty="0">
+              <a:latin typeface="Copperplate Gothic Bold" panose="020E0705020206020404" pitchFamily="34" charset="0"/>
+            </a:endParaRPr>
           </a:p>
         </p:txBody>
       </p:sp>
@@ -11623,6 +11714,15 @@
               </a:rPr>
               <a:t>o far we have done EDA, null values treatment, encoding of categorical columns, feature selection and then model building.</a:t>
             </a:r>
+            <a:endParaRPr lang="en-US" sz="2000" b="0" i="0" u="none" strike="noStrike" dirty="0">
+              <a:solidFill>
+                <a:schemeClr val="accent5">
+                  <a:lumMod val="50000"/>
+                </a:schemeClr>
+              </a:solidFill>
+              <a:effectLst/>
+              <a:latin typeface="Bahnschrift Condensed" panose="020B0502040204020203" pitchFamily="34" charset="0"/>
+            </a:endParaRPr>
           </a:p>
           <a:p>
             <a:pPr marL="114300" indent="0" algn="just" rtl="0">
@@ -11669,6 +11769,15 @@
               </a:rPr>
               <a:t> to 97%. And there is no such improvement in accuracy score even after hyperparameter tuning.</a:t>
             </a:r>
+            <a:endParaRPr lang="en-US" sz="2000" b="0" i="0" u="none" strike="noStrike" dirty="0">
+              <a:solidFill>
+                <a:schemeClr val="accent5">
+                  <a:lumMod val="50000"/>
+                </a:schemeClr>
+              </a:solidFill>
+              <a:effectLst/>
+              <a:latin typeface="Bahnschrift Condensed" panose="020B0502040204020203" pitchFamily="34" charset="0"/>
+            </a:endParaRPr>
           </a:p>
           <a:p>
             <a:pPr marL="114300" indent="0" algn="just" rtl="0">
@@ -11692,6 +11801,15 @@
               </a:rPr>
               <a:t>Also it is concluded that accuracy of XGboost is highest as compared to all the algorithms used i.e. 97%.</a:t>
             </a:r>
+            <a:endParaRPr lang="en-US" sz="2000" b="0" i="0" u="none" strike="noStrike" dirty="0">
+              <a:solidFill>
+                <a:schemeClr val="accent5">
+                  <a:lumMod val="50000"/>
+                </a:schemeClr>
+              </a:solidFill>
+              <a:effectLst/>
+              <a:latin typeface="Bahnschrift Condensed" panose="020B0502040204020203" pitchFamily="34" charset="0"/>
+            </a:endParaRPr>
           </a:p>
           <a:p>
             <a:pPr marL="114300" indent="0" algn="just" rtl="0">
@@ -11770,54 +11888,6 @@
           </a:p>
         </p:txBody>
       </p:sp>
-      <p:pic>
-        <p:nvPicPr>
-          <p:cNvPr id="6" name="Picture 5"/>
-          <p:cNvPicPr>
-            <a:picLocks noChangeAspect="1"/>
-          </p:cNvPicPr>
-          <p:nvPr/>
-        </p:nvPicPr>
-        <p:blipFill>
-          <a:blip r:embed="rId2"/>
-          <a:stretch>
-            <a:fillRect/>
-          </a:stretch>
-        </p:blipFill>
-        <p:spPr>
-          <a:xfrm>
-            <a:off x="6433693" y="4045727"/>
-            <a:ext cx="2231552" cy="874930"/>
-          </a:xfrm>
-          <a:prstGeom prst="roundRect">
-            <a:avLst>
-              <a:gd name="adj" fmla="val 16667"/>
-            </a:avLst>
-          </a:prstGeom>
-          <a:ln>
-            <a:noFill/>
-          </a:ln>
-          <a:effectLst>
-            <a:outerShdw blurRad="152400" dist="12000" dir="900000" sy="98000" kx="110000" ky="200000" algn="tl" rotWithShape="0">
-              <a:srgbClr val="000000">
-                <a:alpha val="30000"/>
-              </a:srgbClr>
-            </a:outerShdw>
-          </a:effectLst>
-          <a:scene3d>
-            <a:camera prst="perspectiveRelaxed">
-              <a:rot lat="19800000" lon="1200000" rev="20820000"/>
-            </a:camera>
-            <a:lightRig rig="threePt" dir="t"/>
-          </a:scene3d>
-          <a:sp3d contourW="6350" prstMaterial="matte">
-            <a:bevelT w="101600" h="101600"/>
-            <a:contourClr>
-              <a:srgbClr val="969696"/>
-            </a:contourClr>
-          </a:sp3d>
-        </p:spPr>
-      </p:pic>
     </p:spTree>
   </p:cSld>
   <p:clrMapOvr>
@@ -11869,6 +11939,9 @@
               </a:rPr>
               <a:t>Data description:</a:t>
             </a:r>
+            <a:endParaRPr lang="en-US" dirty="0">
+              <a:latin typeface="Copperplate Gothic Bold" panose="020E0705020206020404" pitchFamily="34" charset="0"/>
+            </a:endParaRPr>
           </a:p>
         </p:txBody>
       </p:sp>
@@ -11932,6 +12005,15 @@
               </a:rPr>
               <a:t>Sex: male or female("M" or "F")</a:t>
             </a:r>
+            <a:endParaRPr lang="en-US" sz="1200" b="0" i="0" dirty="0">
+              <a:solidFill>
+                <a:schemeClr val="accent5">
+                  <a:lumMod val="50000"/>
+                </a:schemeClr>
+              </a:solidFill>
+              <a:effectLst/>
+              <a:latin typeface="Bahnschrift Condensed" panose="020B0502040204020203" pitchFamily="34" charset="0"/>
+            </a:endParaRPr>
           </a:p>
           <a:p>
             <a:pPr algn="l">
@@ -11950,6 +12032,15 @@
               </a:rPr>
               <a:t>Age: Age of the patient;(Continuous - Although the recorded ages have been truncated to whole numbers, the concept of age is continuous)</a:t>
             </a:r>
+            <a:endParaRPr lang="en-US" sz="1200" b="0" i="0" dirty="0">
+              <a:solidFill>
+                <a:schemeClr val="accent5">
+                  <a:lumMod val="50000"/>
+                </a:schemeClr>
+              </a:solidFill>
+              <a:effectLst/>
+              <a:latin typeface="Bahnschrift Condensed" panose="020B0502040204020203" pitchFamily="34" charset="0"/>
+            </a:endParaRPr>
           </a:p>
           <a:p>
             <a:pPr algn="l"/>
@@ -11992,6 +12083,15 @@
               </a:rPr>
               <a:t>is_smoking: whether or not the patient is a current smoker ("YES" or "NO")</a:t>
             </a:r>
+            <a:endParaRPr lang="en-US" sz="1200" b="0" i="0" dirty="0">
+              <a:solidFill>
+                <a:schemeClr val="accent5">
+                  <a:lumMod val="50000"/>
+                </a:schemeClr>
+              </a:solidFill>
+              <a:effectLst/>
+              <a:latin typeface="Bahnschrift Condensed" panose="020B0502040204020203" pitchFamily="34" charset="0"/>
+            </a:endParaRPr>
           </a:p>
           <a:p>
             <a:pPr algn="l">
@@ -12010,6 +12110,15 @@
               </a:rPr>
               <a:t>Cigs Per Day: the number of cigarettes that the person smoked on average in one day.(can be considered continuous as one can have any number of cigarettes, even half a cigarette.)</a:t>
             </a:r>
+            <a:endParaRPr lang="en-US" sz="1200" b="0" i="0" dirty="0">
+              <a:solidFill>
+                <a:schemeClr val="accent5">
+                  <a:lumMod val="50000"/>
+                </a:schemeClr>
+              </a:solidFill>
+              <a:effectLst/>
+              <a:latin typeface="Bahnschrift Condensed" panose="020B0502040204020203" pitchFamily="34" charset="0"/>
+            </a:endParaRPr>
           </a:p>
           <a:p>
             <a:pPr algn="l"/>
@@ -12052,6 +12161,15 @@
               </a:rPr>
               <a:t>BP Meds: whether or not the patient was on blood pressure medication (Nominal)</a:t>
             </a:r>
+            <a:endParaRPr lang="en-US" sz="1200" b="0" i="0" dirty="0">
+              <a:solidFill>
+                <a:schemeClr val="accent5">
+                  <a:lumMod val="50000"/>
+                </a:schemeClr>
+              </a:solidFill>
+              <a:effectLst/>
+              <a:latin typeface="Bahnschrift Condensed" panose="020B0502040204020203" pitchFamily="34" charset="0"/>
+            </a:endParaRPr>
           </a:p>
           <a:p>
             <a:pPr algn="l">
@@ -12070,6 +12188,15 @@
               </a:rPr>
               <a:t>Prevalent Stroke: whether or not the patient had previously had a stroke (Nominal)</a:t>
             </a:r>
+            <a:endParaRPr lang="en-US" sz="1200" b="0" i="0" dirty="0">
+              <a:solidFill>
+                <a:schemeClr val="accent5">
+                  <a:lumMod val="50000"/>
+                </a:schemeClr>
+              </a:solidFill>
+              <a:effectLst/>
+              <a:latin typeface="Bahnschrift Condensed" panose="020B0502040204020203" pitchFamily="34" charset="0"/>
+            </a:endParaRPr>
           </a:p>
           <a:p>
             <a:pPr algn="l">
@@ -12088,6 +12215,15 @@
               </a:rPr>
               <a:t>Prevalent Hyp: whether or not the patient was hypertensive (Nominal)</a:t>
             </a:r>
+            <a:endParaRPr lang="en-US" sz="1200" b="0" i="0" dirty="0">
+              <a:solidFill>
+                <a:schemeClr val="accent5">
+                  <a:lumMod val="50000"/>
+                </a:schemeClr>
+              </a:solidFill>
+              <a:effectLst/>
+              <a:latin typeface="Bahnschrift Condensed" panose="020B0502040204020203" pitchFamily="34" charset="0"/>
+            </a:endParaRPr>
           </a:p>
           <a:p>
             <a:pPr algn="l">
@@ -12106,6 +12242,15 @@
               </a:rPr>
               <a:t>Diabetes: whether or not the patient had diabetes (Nominal) Medical(current)</a:t>
             </a:r>
+            <a:endParaRPr lang="en-US" sz="1200" b="0" i="0" dirty="0">
+              <a:solidFill>
+                <a:schemeClr val="accent5">
+                  <a:lumMod val="50000"/>
+                </a:schemeClr>
+              </a:solidFill>
+              <a:effectLst/>
+              <a:latin typeface="Bahnschrift Condensed" panose="020B0502040204020203" pitchFamily="34" charset="0"/>
+            </a:endParaRPr>
           </a:p>
           <a:p>
             <a:pPr algn="l">
@@ -12124,6 +12269,15 @@
               </a:rPr>
               <a:t>Tot Chol: total cholesterol level (Continuous)</a:t>
             </a:r>
+            <a:endParaRPr lang="en-US" sz="1200" b="0" i="0" dirty="0">
+              <a:solidFill>
+                <a:schemeClr val="accent5">
+                  <a:lumMod val="50000"/>
+                </a:schemeClr>
+              </a:solidFill>
+              <a:effectLst/>
+              <a:latin typeface="Bahnschrift Condensed" panose="020B0502040204020203" pitchFamily="34" charset="0"/>
+            </a:endParaRPr>
           </a:p>
           <a:p>
             <a:pPr algn="l">
@@ -12142,6 +12296,15 @@
               </a:rPr>
               <a:t>Sys BP: systolic blood pressure (Continuous)</a:t>
             </a:r>
+            <a:endParaRPr lang="en-US" sz="1200" b="0" i="0" dirty="0">
+              <a:solidFill>
+                <a:schemeClr val="accent5">
+                  <a:lumMod val="50000"/>
+                </a:schemeClr>
+              </a:solidFill>
+              <a:effectLst/>
+              <a:latin typeface="Bahnschrift Condensed" panose="020B0502040204020203" pitchFamily="34" charset="0"/>
+            </a:endParaRPr>
           </a:p>
           <a:p>
             <a:pPr algn="l">
@@ -12160,6 +12323,15 @@
               </a:rPr>
               <a:t>Dia BP: diastolic blood pressure (Continuous)</a:t>
             </a:r>
+            <a:endParaRPr lang="en-US" sz="1200" b="0" i="0" dirty="0">
+              <a:solidFill>
+                <a:schemeClr val="accent5">
+                  <a:lumMod val="50000"/>
+                </a:schemeClr>
+              </a:solidFill>
+              <a:effectLst/>
+              <a:latin typeface="Bahnschrift Condensed" panose="020B0502040204020203" pitchFamily="34" charset="0"/>
+            </a:endParaRPr>
           </a:p>
           <a:p>
             <a:pPr algn="l">
@@ -12178,6 +12350,15 @@
               </a:rPr>
               <a:t>BMI: Body Mass Index (Continuous)</a:t>
             </a:r>
+            <a:endParaRPr lang="en-US" sz="1200" b="0" i="0" dirty="0">
+              <a:solidFill>
+                <a:schemeClr val="accent5">
+                  <a:lumMod val="50000"/>
+                </a:schemeClr>
+              </a:solidFill>
+              <a:effectLst/>
+              <a:latin typeface="Bahnschrift Condensed" panose="020B0502040204020203" pitchFamily="34" charset="0"/>
+            </a:endParaRPr>
           </a:p>
           <a:p>
             <a:pPr algn="l">
@@ -12196,6 +12377,15 @@
               </a:rPr>
               <a:t>Heart Rate: heart rate (Continuous - In medical research, variables such as heart rate though in fact discrete, yet are considered continuous because of large number of possible values.)</a:t>
             </a:r>
+            <a:endParaRPr lang="en-US" sz="1200" b="0" i="0" dirty="0">
+              <a:solidFill>
+                <a:schemeClr val="accent5">
+                  <a:lumMod val="50000"/>
+                </a:schemeClr>
+              </a:solidFill>
+              <a:effectLst/>
+              <a:latin typeface="Bahnschrift Condensed" panose="020B0502040204020203" pitchFamily="34" charset="0"/>
+            </a:endParaRPr>
           </a:p>
           <a:p>
             <a:pPr algn="l">
@@ -12214,6 +12404,15 @@
               </a:rPr>
               <a:t>Glucose: glucose level (Continuous) Predict variable (desired target)</a:t>
             </a:r>
+            <a:endParaRPr lang="en-US" sz="1200" b="0" i="0" dirty="0">
+              <a:solidFill>
+                <a:schemeClr val="accent5">
+                  <a:lumMod val="50000"/>
+                </a:schemeClr>
+              </a:solidFill>
+              <a:effectLst/>
+              <a:latin typeface="Bahnschrift Condensed" panose="020B0502040204020203" pitchFamily="34" charset="0"/>
+            </a:endParaRPr>
           </a:p>
           <a:p>
             <a:pPr algn="l">
@@ -12232,6 +12431,15 @@
               </a:rPr>
               <a:t>10-year risk of coronary heart disease CHD(binary: “1”, means “Yes”, “0” means “No”) - DV</a:t>
             </a:r>
+            <a:endParaRPr lang="en-US" sz="1200" b="0" i="0" dirty="0">
+              <a:solidFill>
+                <a:schemeClr val="accent5">
+                  <a:lumMod val="50000"/>
+                </a:schemeClr>
+              </a:solidFill>
+              <a:effectLst/>
+              <a:latin typeface="Bahnschrift Condensed" panose="020B0502040204020203" pitchFamily="34" charset="0"/>
+            </a:endParaRPr>
           </a:p>
           <a:p>
             <a:endParaRPr lang="en-US" sz="1000" dirty="0"/>
@@ -12289,6 +12497,9 @@
               </a:rPr>
               <a:t>Missing Values &amp; After filling NaN Values </a:t>
             </a:r>
+            <a:endParaRPr lang="en-US" sz="2800" dirty="0">
+              <a:latin typeface="Copperplate Gothic Bold" panose="020E0705020206020404" pitchFamily="34" charset="0"/>
+            </a:endParaRPr>
           </a:p>
         </p:txBody>
       </p:sp>
@@ -12301,7 +12512,7 @@
           <p:nvPr/>
         </p:nvPicPr>
         <p:blipFill>
-          <a:blip r:embed="rId2"/>
+          <a:blip r:embed="rId1"/>
           <a:stretch>
             <a:fillRect/>
           </a:stretch>
@@ -12325,7 +12536,7 @@
           <p:nvPr/>
         </p:nvPicPr>
         <p:blipFill>
-          <a:blip r:embed="rId3"/>
+          <a:blip r:embed="rId2"/>
           <a:stretch>
             <a:fillRect/>
           </a:stretch>
@@ -12391,6 +12602,9 @@
               </a:rPr>
               <a:t>Correlation between features</a:t>
             </a:r>
+            <a:endParaRPr lang="en-US" sz="2800" dirty="0">
+              <a:latin typeface="Copperplate Gothic Bold" panose="020E0705020206020404" pitchFamily="34" charset="0"/>
+            </a:endParaRPr>
           </a:p>
         </p:txBody>
       </p:sp>
@@ -12403,7 +12617,7 @@
           <p:nvPr/>
         </p:nvPicPr>
         <p:blipFill>
-          <a:blip r:embed="rId2"/>
+          <a:blip r:embed="rId1"/>
           <a:stretch>
             <a:fillRect/>
           </a:stretch>
@@ -12484,7 +12698,7 @@
           <p:nvPr/>
         </p:nvPicPr>
         <p:blipFill>
-          <a:blip r:embed="rId2"/>
+          <a:blip r:embed="rId1"/>
           <a:stretch>
             <a:fillRect/>
           </a:stretch>
@@ -12550,6 +12764,9 @@
               </a:rPr>
               <a:t>Which Sex is more prone to CHD ?</a:t>
             </a:r>
+            <a:endParaRPr lang="en-US" sz="2800" dirty="0">
+              <a:latin typeface="Copperplate Gothic Bold" panose="020E0705020206020404" pitchFamily="34" charset="0"/>
+            </a:endParaRPr>
           </a:p>
         </p:txBody>
       </p:sp>
@@ -12562,7 +12779,7 @@
           <p:nvPr/>
         </p:nvPicPr>
         <p:blipFill>
-          <a:blip r:embed="rId2"/>
+          <a:blip r:embed="rId1"/>
           <a:stretch>
             <a:fillRect/>
           </a:stretch>
@@ -12628,6 +12845,9 @@
               </a:rPr>
               <a:t>Are diabetic patients at more risk of chd ?</a:t>
             </a:r>
+            <a:endParaRPr lang="en-US" sz="2800" dirty="0">
+              <a:latin typeface="Copperplate Gothic Bold" panose="020E0705020206020404" pitchFamily="34" charset="0"/>
+            </a:endParaRPr>
           </a:p>
         </p:txBody>
       </p:sp>
@@ -12640,7 +12860,7 @@
           <p:nvPr/>
         </p:nvPicPr>
         <p:blipFill>
-          <a:blip r:embed="rId2"/>
+          <a:blip r:embed="rId1"/>
           <a:stretch>
             <a:fillRect/>
           </a:stretch>
@@ -12939,8 +13159,6 @@
       </a:bgFillStyleLst>
     </a:fmtScheme>
   </a:themeElements>
-  <a:objectDefaults/>
-  <a:extraClrSchemeLst/>
   <a:extLst>
     <a:ext uri="{05A4C25C-085E-4340-85A3-A5531E510DB2}">
       <thm15:themeFamily xmlns:thm15="http://schemas.microsoft.com/office/thememl/2012/main" name="Office Theme" id="{62F939B6-93AF-4DB8-9C6B-D6C7DFDC589F}" vid="{4A3C46E8-61CC-4603-A589-7422A47A8E4A}"/>
@@ -13225,8 +13443,6 @@
       </a:bgFillStyleLst>
     </a:fmtScheme>
   </a:themeElements>
-  <a:objectDefaults/>
-  <a:extraClrSchemeLst/>
   <a:extLst>
     <a:ext uri="{05A4C25C-085E-4340-85A3-A5531E510DB2}">
       <thm15:themeFamily xmlns:thm15="http://schemas.microsoft.com/office/thememl/2012/main" name="Office Theme" id="{62F939B6-93AF-4DB8-9C6B-D6C7DFDC589F}" vid="{4A3C46E8-61CC-4603-A589-7422A47A8E4A}"/>

--- a/CapstoneProject_Cardiovascular RP (1).pptx
+++ b/CapstoneProject_Cardiovascular RP (1).pptx
@@ -11228,7 +11228,7 @@
                 </a:solidFill>
                 <a:latin typeface="Bahnschrift Condensed" panose="020B0502040204020203" pitchFamily="34" charset="0"/>
               </a:rPr>
-              <a:t>The dataset was inbalanced and hence we were not able to apply some models properly.</a:t>
+              <a:t>The dataset was imbalanced and hence we were not able to apply some models properly.</a:t>
             </a:r>
             <a:endParaRPr lang="en-US" sz="2000" dirty="0">
               <a:solidFill>
